--- a/training/core_java/8_Numbers_and_Strings.pptx
+++ b/training/core_java/8_Numbers_and_Strings.pptx
@@ -6,23 +6,24 @@
   </p:sldMasterIdLst>
   <p:sldIdLst>
     <p:sldId id="472" r:id="rId2"/>
-    <p:sldId id="473" r:id="rId3"/>
-    <p:sldId id="474" r:id="rId4"/>
-    <p:sldId id="479" r:id="rId5"/>
-    <p:sldId id="476" r:id="rId6"/>
-    <p:sldId id="480" r:id="rId7"/>
-    <p:sldId id="477" r:id="rId8"/>
-    <p:sldId id="478" r:id="rId9"/>
-    <p:sldId id="481" r:id="rId10"/>
-    <p:sldId id="485" r:id="rId11"/>
-    <p:sldId id="484" r:id="rId12"/>
-    <p:sldId id="483" r:id="rId13"/>
-    <p:sldId id="482" r:id="rId14"/>
-    <p:sldId id="293" r:id="rId15"/>
-    <p:sldId id="313" r:id="rId16"/>
-    <p:sldId id="320" r:id="rId17"/>
-    <p:sldId id="316" r:id="rId18"/>
-    <p:sldId id="261" r:id="rId19"/>
+    <p:sldId id="486" r:id="rId3"/>
+    <p:sldId id="473" r:id="rId4"/>
+    <p:sldId id="474" r:id="rId5"/>
+    <p:sldId id="479" r:id="rId6"/>
+    <p:sldId id="476" r:id="rId7"/>
+    <p:sldId id="480" r:id="rId8"/>
+    <p:sldId id="477" r:id="rId9"/>
+    <p:sldId id="478" r:id="rId10"/>
+    <p:sldId id="481" r:id="rId11"/>
+    <p:sldId id="485" r:id="rId12"/>
+    <p:sldId id="484" r:id="rId13"/>
+    <p:sldId id="483" r:id="rId14"/>
+    <p:sldId id="482" r:id="rId15"/>
+    <p:sldId id="293" r:id="rId16"/>
+    <p:sldId id="313" r:id="rId17"/>
+    <p:sldId id="320" r:id="rId18"/>
+    <p:sldId id="316" r:id="rId19"/>
+    <p:sldId id="261" r:id="rId20"/>
   </p:sldIdLst>
   <p:sldSz cx="12192000" cy="6858000"/>
   <p:notesSz cx="6858000" cy="9144000"/>
@@ -3633,10 +3634,34 @@
           </a:p>
         </p:txBody>
       </p:sp>
+      <p:pic>
+        <p:nvPicPr>
+          <p:cNvPr id="6" name="Picture 5"/>
+          <p:cNvPicPr>
+            <a:picLocks noChangeAspect="1"/>
+          </p:cNvPicPr>
+          <p:nvPr/>
+        </p:nvPicPr>
+        <p:blipFill>
+          <a:blip r:embed="rId2"/>
+          <a:stretch>
+            <a:fillRect/>
+          </a:stretch>
+        </p:blipFill>
+        <p:spPr>
+          <a:xfrm>
+            <a:off x="155574" y="160338"/>
+            <a:ext cx="8759825" cy="6576734"/>
+          </a:xfrm>
+          <a:prstGeom prst="rect">
+            <a:avLst/>
+          </a:prstGeom>
+        </p:spPr>
+      </p:pic>
     </p:spTree>
     <p:extLst>
       <p:ext uri="{BB962C8B-B14F-4D97-AF65-F5344CB8AC3E}">
-        <p14:creationId xmlns:p14="http://schemas.microsoft.com/office/powerpoint/2010/main" val="641252024"/>
+        <p14:creationId xmlns:p14="http://schemas.microsoft.com/office/powerpoint/2010/main" val="1389277813"/>
       </p:ext>
     </p:extLst>
   </p:cSld>
@@ -3787,7 +3812,7 @@
     </p:spTree>
     <p:extLst>
       <p:ext uri="{BB962C8B-B14F-4D97-AF65-F5344CB8AC3E}">
-        <p14:creationId xmlns:p14="http://schemas.microsoft.com/office/powerpoint/2010/main" val="2558605098"/>
+        <p14:creationId xmlns:p14="http://schemas.microsoft.com/office/powerpoint/2010/main" val="641252024"/>
       </p:ext>
     </p:extLst>
   </p:cSld>
@@ -3938,7 +3963,7 @@
     </p:spTree>
     <p:extLst>
       <p:ext uri="{BB962C8B-B14F-4D97-AF65-F5344CB8AC3E}">
-        <p14:creationId xmlns:p14="http://schemas.microsoft.com/office/powerpoint/2010/main" val="1960985845"/>
+        <p14:creationId xmlns:p14="http://schemas.microsoft.com/office/powerpoint/2010/main" val="2558605098"/>
       </p:ext>
     </p:extLst>
   </p:cSld>
@@ -4089,7 +4114,7 @@
     </p:spTree>
     <p:extLst>
       <p:ext uri="{BB962C8B-B14F-4D97-AF65-F5344CB8AC3E}">
-        <p14:creationId xmlns:p14="http://schemas.microsoft.com/office/powerpoint/2010/main" val="3183332390"/>
+        <p14:creationId xmlns:p14="http://schemas.microsoft.com/office/powerpoint/2010/main" val="1960985845"/>
       </p:ext>
     </p:extLst>
   </p:cSld>
@@ -4107,7 +4132,7 @@
 </file>
 
 <file path=ppt/slides/slide14.xml><?xml version="1.0" encoding="utf-8"?>
-<p:sld xmlns:a="http://schemas.openxmlformats.org/drawingml/2006/main" xmlns:r="http://schemas.openxmlformats.org/officeDocument/2006/relationships" xmlns:p="http://schemas.openxmlformats.org/presentationml/2006/main" showMasterSp="0">
+<p:sld xmlns:a="http://schemas.openxmlformats.org/drawingml/2006/main" xmlns:r="http://schemas.openxmlformats.org/officeDocument/2006/relationships" xmlns:p="http://schemas.openxmlformats.org/presentationml/2006/main">
   <p:cSld>
     <p:spTree>
       <p:nvGrpSpPr>
@@ -4140,37 +4165,8 @@
           <a:p>
             <a:r>
               <a:rPr lang="en-US" dirty="0" smtClean="0"/>
-              <a:t>Java - miscellaneous</a:t>
-            </a:r>
-            <a:endParaRPr lang="en-US" dirty="0"/>
-          </a:p>
-        </p:txBody>
-      </p:sp>
-      <p:sp>
-        <p:nvSpPr>
-          <p:cNvPr id="6" name="TextBox 5"/>
-          <p:cNvSpPr txBox="1"/>
-          <p:nvPr/>
-        </p:nvSpPr>
-        <p:spPr>
-          <a:xfrm>
-            <a:off x="746975" y="2099256"/>
-            <a:ext cx="6645498" cy="646331"/>
-          </a:xfrm>
-          <a:prstGeom prst="rect">
-            <a:avLst/>
-          </a:prstGeom>
-          <a:noFill/>
-        </p:spPr>
-        <p:txBody>
-          <a:bodyPr wrap="square" rtlCol="0">
-            <a:spAutoFit/>
-          </a:bodyPr>
-          <a:lstStyle/>
-          <a:p>
-            <a:endParaRPr lang="en-US" b="1" dirty="0" smtClean="0"/>
-          </a:p>
-          <a:p>
+              <a:t>exceptions</a:t>
+            </a:r>
             <a:endParaRPr lang="en-US" dirty="0"/>
           </a:p>
         </p:txBody>
@@ -4222,8 +4218,8 @@
         </p:nvSpPr>
         <p:spPr>
           <a:xfrm>
-            <a:off x="1202919" y="2575775"/>
-            <a:ext cx="8224416" cy="523220"/>
+            <a:off x="7495504" y="2240924"/>
+            <a:ext cx="4456090" cy="400110"/>
           </a:xfrm>
           <a:prstGeom prst="rect">
             <a:avLst/>
@@ -4236,28 +4232,20 @@
           </a:bodyPr>
           <a:lstStyle/>
           <a:p>
-            <a:r>
-              <a:rPr lang="en-US" sz="2800" b="1" dirty="0"/>
-              <a:t>Type Comparison Operator </a:t>
-            </a:r>
-            <a:r>
-              <a:rPr lang="en-US" sz="2800" b="1" dirty="0" err="1"/>
-              <a:t>instanceof</a:t>
-            </a:r>
-            <a:endParaRPr lang="en-US" sz="2800" b="1" dirty="0"/>
-          </a:p>
-        </p:txBody>
-      </p:sp>
-      <p:sp>
-        <p:nvSpPr>
-          <p:cNvPr id="9" name="TextBox 8"/>
+            <a:endParaRPr lang="en-US" sz="2000" u="sng" dirty="0"/>
+          </a:p>
+        </p:txBody>
+      </p:sp>
+      <p:sp>
+        <p:nvSpPr>
+          <p:cNvPr id="5" name="TextBox 4"/>
           <p:cNvSpPr txBox="1"/>
           <p:nvPr/>
         </p:nvSpPr>
         <p:spPr>
           <a:xfrm>
-            <a:off x="1300766" y="3098995"/>
-            <a:ext cx="9440214" cy="3198774"/>
+            <a:off x="811369" y="2240924"/>
+            <a:ext cx="7959144" cy="4353059"/>
           </a:xfrm>
           <a:prstGeom prst="rect">
             <a:avLst/>
@@ -4274,157 +4262,10 @@
           </a:p>
         </p:txBody>
       </p:sp>
-      <p:sp>
-        <p:nvSpPr>
-          <p:cNvPr id="12" name="Rectangle 11"/>
-          <p:cNvSpPr/>
-          <p:nvPr/>
-        </p:nvSpPr>
-        <p:spPr>
-          <a:xfrm>
-            <a:off x="1202919" y="3222106"/>
-            <a:ext cx="8224416" cy="3354765"/>
-          </a:xfrm>
-          <a:prstGeom prst="rect">
-            <a:avLst/>
-          </a:prstGeom>
-        </p:spPr>
-        <p:txBody>
-          <a:bodyPr wrap="square">
-            <a:spAutoFit/>
-          </a:bodyPr>
-          <a:lstStyle/>
-          <a:p>
-            <a:pPr marL="285750" indent="-285750">
-              <a:buFont typeface="Arial" panose="020B0604020202020204" pitchFamily="34" charset="0"/>
-              <a:buChar char="•"/>
-            </a:pPr>
-            <a:r>
-              <a:rPr lang="en-US" sz="2000" dirty="0"/>
-              <a:t>The </a:t>
-            </a:r>
-            <a:r>
-              <a:rPr lang="en-US" sz="2000" dirty="0" err="1"/>
-              <a:t>instanceof</a:t>
-            </a:r>
-            <a:r>
-              <a:rPr lang="en-US" sz="2000" dirty="0"/>
-              <a:t> operator compares an object to a specified type. </a:t>
-            </a:r>
-            <a:endParaRPr lang="en-US" sz="2000" dirty="0" smtClean="0"/>
-          </a:p>
-          <a:p>
-            <a:pPr marL="285750" indent="-285750">
-              <a:buFont typeface="Arial" panose="020B0604020202020204" pitchFamily="34" charset="0"/>
-              <a:buChar char="•"/>
-            </a:pPr>
-            <a:endParaRPr lang="en-US" sz="2000" dirty="0"/>
-          </a:p>
-          <a:p>
-            <a:pPr marL="285750" indent="-285750">
-              <a:buFont typeface="Arial" panose="020B0604020202020204" pitchFamily="34" charset="0"/>
-              <a:buChar char="•"/>
-            </a:pPr>
-            <a:r>
-              <a:rPr lang="en-US" sz="2000" dirty="0" smtClean="0"/>
-              <a:t>You </a:t>
-            </a:r>
-            <a:r>
-              <a:rPr lang="en-US" sz="2000" dirty="0"/>
-              <a:t>can use it to test if an object is an instance of a class, an instance of a subclass, or an instance of a class that implements a particular </a:t>
-            </a:r>
-            <a:r>
-              <a:rPr lang="en-US" sz="2000" dirty="0" smtClean="0"/>
-              <a:t>interface</a:t>
-            </a:r>
-          </a:p>
-          <a:p>
-            <a:pPr marL="285750" indent="-285750">
-              <a:buFont typeface="Arial" panose="020B0604020202020204" pitchFamily="34" charset="0"/>
-              <a:buChar char="•"/>
-            </a:pPr>
-            <a:endParaRPr lang="en-US" sz="2000" dirty="0"/>
-          </a:p>
-          <a:p>
-            <a:pPr marL="285750" indent="-285750">
-              <a:buFont typeface="Arial" panose="020B0604020202020204" pitchFamily="34" charset="0"/>
-              <a:buChar char="•"/>
-            </a:pPr>
-            <a:r>
-              <a:rPr lang="en-US" sz="3200" dirty="0" smtClean="0"/>
-              <a:t>Classes implementing interfaces</a:t>
-            </a:r>
-          </a:p>
-          <a:p>
-            <a:pPr marL="285750" indent="-285750">
-              <a:buFont typeface="Arial" panose="020B0604020202020204" pitchFamily="34" charset="0"/>
-              <a:buChar char="•"/>
-            </a:pPr>
-            <a:r>
-              <a:rPr lang="en-US" sz="2000" dirty="0"/>
-              <a:t>class </a:t>
-            </a:r>
-            <a:r>
-              <a:rPr lang="en-US" sz="2000" dirty="0" err="1"/>
-              <a:t>MyClass</a:t>
-            </a:r>
-            <a:r>
-              <a:rPr lang="en-US" sz="2000" dirty="0"/>
-              <a:t> extends </a:t>
-            </a:r>
-            <a:r>
-              <a:rPr lang="en-US" sz="2000" dirty="0" err="1"/>
-              <a:t>MySuperClass</a:t>
-            </a:r>
-            <a:r>
-              <a:rPr lang="en-US" sz="2000" dirty="0"/>
-              <a:t> implements </a:t>
-            </a:r>
-            <a:r>
-              <a:rPr lang="en-US" sz="2000" dirty="0" err="1"/>
-              <a:t>YourInterface</a:t>
-            </a:r>
-            <a:r>
-              <a:rPr lang="en-US" sz="2000" dirty="0"/>
-              <a:t> {</a:t>
-            </a:r>
-          </a:p>
-          <a:p>
-            <a:pPr marL="285750" indent="-285750">
-              <a:buFont typeface="Arial" panose="020B0604020202020204" pitchFamily="34" charset="0"/>
-              <a:buChar char="•"/>
-            </a:pPr>
-            <a:r>
-              <a:rPr lang="en-US" sz="2000" dirty="0"/>
-              <a:t>    // field, constructor, and</a:t>
-            </a:r>
-          </a:p>
-          <a:p>
-            <a:pPr marL="285750" indent="-285750">
-              <a:buFont typeface="Arial" panose="020B0604020202020204" pitchFamily="34" charset="0"/>
-              <a:buChar char="•"/>
-            </a:pPr>
-            <a:r>
-              <a:rPr lang="en-US" sz="2000" dirty="0"/>
-              <a:t>    // method declarations</a:t>
-            </a:r>
-          </a:p>
-          <a:p>
-            <a:pPr marL="285750" indent="-285750">
-              <a:buFont typeface="Arial" panose="020B0604020202020204" pitchFamily="34" charset="0"/>
-              <a:buChar char="•"/>
-            </a:pPr>
-            <a:r>
-              <a:rPr lang="en-US" sz="2000" dirty="0"/>
-              <a:t>}</a:t>
-            </a:r>
-          </a:p>
-        </p:txBody>
-      </p:sp>
     </p:spTree>
     <p:extLst>
       <p:ext uri="{BB962C8B-B14F-4D97-AF65-F5344CB8AC3E}">
-        <p14:creationId xmlns:p14="http://schemas.microsoft.com/office/powerpoint/2010/main" val="86288042"/>
+        <p14:creationId xmlns:p14="http://schemas.microsoft.com/office/powerpoint/2010/main" val="3183332390"/>
       </p:ext>
     </p:extLst>
   </p:cSld>
@@ -4557,8 +4398,8 @@
         </p:nvSpPr>
         <p:spPr>
           <a:xfrm>
-            <a:off x="460375" y="1792936"/>
-            <a:ext cx="9994005" cy="4985980"/>
+            <a:off x="1202919" y="2575775"/>
+            <a:ext cx="8224416" cy="523220"/>
           </a:xfrm>
           <a:prstGeom prst="rect">
             <a:avLst/>
@@ -4572,304 +4413,14 @@
           <a:lstStyle/>
           <a:p>
             <a:r>
-              <a:rPr lang="en-US" sz="3200" b="1" u="sng" dirty="0" err="1" smtClean="0"/>
-              <a:t>Varargs</a:t>
-            </a:r>
-            <a:r>
-              <a:rPr lang="en-US" sz="3200" b="1" u="sng" dirty="0" smtClean="0"/>
-              <a:t> – Specifying Arbitrary number of arguments</a:t>
-            </a:r>
-          </a:p>
-          <a:p>
-            <a:r>
-              <a:rPr lang="en-US" dirty="0"/>
-              <a:t>public Polygon </a:t>
-            </a:r>
-            <a:r>
-              <a:rPr lang="en-US" dirty="0" err="1"/>
-              <a:t>polygonFrom</a:t>
-            </a:r>
-            <a:r>
-              <a:rPr lang="en-US" dirty="0"/>
-              <a:t>(Point... corners) {</a:t>
-            </a:r>
-          </a:p>
-          <a:p>
-            <a:r>
-              <a:rPr lang="en-US" dirty="0"/>
-              <a:t>    </a:t>
-            </a:r>
-            <a:r>
-              <a:rPr lang="en-US" dirty="0" err="1"/>
-              <a:t>int</a:t>
-            </a:r>
-            <a:r>
-              <a:rPr lang="en-US" dirty="0"/>
-              <a:t> </a:t>
-            </a:r>
-            <a:r>
-              <a:rPr lang="en-US" dirty="0" err="1"/>
-              <a:t>numberOfSides</a:t>
-            </a:r>
-            <a:r>
-              <a:rPr lang="en-US" dirty="0"/>
-              <a:t> = </a:t>
-            </a:r>
-            <a:r>
-              <a:rPr lang="en-US" dirty="0" err="1"/>
-              <a:t>corners.length</a:t>
-            </a:r>
-            <a:r>
-              <a:rPr lang="en-US" dirty="0"/>
-              <a:t>;</a:t>
-            </a:r>
-          </a:p>
-          <a:p>
-            <a:r>
-              <a:rPr lang="en-US" dirty="0"/>
-              <a:t>    double squareOfSide1, lengthOfSide1;</a:t>
-            </a:r>
-          </a:p>
-          <a:p>
-            <a:r>
-              <a:rPr lang="en-US" dirty="0"/>
-              <a:t>    squareOfSide1 = (corners[1].x - corners[0].x)</a:t>
-            </a:r>
-          </a:p>
-          <a:p>
-            <a:r>
-              <a:rPr lang="en-US" dirty="0"/>
-              <a:t>                     * (corners[1].x - corners[0].x) </a:t>
-            </a:r>
-          </a:p>
-          <a:p>
-            <a:r>
-              <a:rPr lang="en-US" dirty="0"/>
-              <a:t>                     + (corners[1].y - corners[0].y)</a:t>
-            </a:r>
-          </a:p>
-          <a:p>
-            <a:r>
-              <a:rPr lang="en-US" dirty="0"/>
-              <a:t>                     * (corners[1].y - corners[0].y);</a:t>
-            </a:r>
-          </a:p>
-          <a:p>
-            <a:r>
-              <a:rPr lang="en-US" dirty="0"/>
-              <a:t>    lengthOfSide1 = </a:t>
-            </a:r>
-            <a:r>
-              <a:rPr lang="en-US" dirty="0" err="1"/>
-              <a:t>Math.sqrt</a:t>
-            </a:r>
-            <a:r>
-              <a:rPr lang="en-US" dirty="0"/>
-              <a:t>(squareOfSide1);</a:t>
-            </a:r>
-          </a:p>
-          <a:p>
-            <a:endParaRPr lang="en-US" dirty="0"/>
-          </a:p>
-          <a:p>
-            <a:r>
-              <a:rPr lang="en-US" dirty="0"/>
-              <a:t>    // more method body code follows that creates and returns a </a:t>
-            </a:r>
-          </a:p>
-          <a:p>
-            <a:r>
-              <a:rPr lang="en-US" dirty="0"/>
-              <a:t>    // polygon connecting the Points</a:t>
-            </a:r>
-          </a:p>
-          <a:p>
-            <a:r>
-              <a:rPr lang="en-US" dirty="0" smtClean="0"/>
-              <a:t>}</a:t>
-            </a:r>
-          </a:p>
-          <a:p>
-            <a:r>
-              <a:rPr lang="en-US" sz="1400" dirty="0"/>
-              <a:t>You will most commonly see </a:t>
-            </a:r>
-            <a:r>
-              <a:rPr lang="en-US" sz="1400" dirty="0" err="1"/>
-              <a:t>varargs</a:t>
-            </a:r>
-            <a:r>
-              <a:rPr lang="en-US" sz="1400" dirty="0"/>
-              <a:t> with the printing methods; for example, this </a:t>
-            </a:r>
-            <a:r>
-              <a:rPr lang="en-US" sz="1400" dirty="0" err="1"/>
-              <a:t>printf</a:t>
-            </a:r>
-            <a:r>
-              <a:rPr lang="en-US" sz="1400" dirty="0"/>
-              <a:t> method:</a:t>
-            </a:r>
-          </a:p>
-          <a:p>
-            <a:endParaRPr lang="en-US" sz="1400" dirty="0"/>
-          </a:p>
-          <a:p>
-            <a:r>
-              <a:rPr lang="en-US" sz="1400" dirty="0">
-                <a:solidFill>
-                  <a:schemeClr val="accent6">
-                    <a:lumMod val="75000"/>
-                  </a:schemeClr>
-                </a:solidFill>
-              </a:rPr>
-              <a:t>public </a:t>
-            </a:r>
-            <a:r>
-              <a:rPr lang="en-US" sz="1400" dirty="0" err="1">
-                <a:solidFill>
-                  <a:schemeClr val="accent6">
-                    <a:lumMod val="75000"/>
-                  </a:schemeClr>
-                </a:solidFill>
-              </a:rPr>
-              <a:t>PrintStream</a:t>
-            </a:r>
-            <a:r>
-              <a:rPr lang="en-US" sz="1400" dirty="0">
-                <a:solidFill>
-                  <a:schemeClr val="accent6">
-                    <a:lumMod val="75000"/>
-                  </a:schemeClr>
-                </a:solidFill>
-              </a:rPr>
-              <a:t> </a:t>
-            </a:r>
-            <a:r>
-              <a:rPr lang="en-US" sz="1400" dirty="0" err="1">
-                <a:solidFill>
-                  <a:schemeClr val="accent6">
-                    <a:lumMod val="75000"/>
-                  </a:schemeClr>
-                </a:solidFill>
-              </a:rPr>
-              <a:t>printf</a:t>
-            </a:r>
-            <a:r>
-              <a:rPr lang="en-US" sz="1400" dirty="0">
-                <a:solidFill>
-                  <a:schemeClr val="accent6">
-                    <a:lumMod val="75000"/>
-                  </a:schemeClr>
-                </a:solidFill>
-              </a:rPr>
-              <a:t>(String format, Object... </a:t>
-            </a:r>
-            <a:r>
-              <a:rPr lang="en-US" sz="1400" dirty="0" err="1">
-                <a:solidFill>
-                  <a:schemeClr val="accent6">
-                    <a:lumMod val="75000"/>
-                  </a:schemeClr>
-                </a:solidFill>
-              </a:rPr>
-              <a:t>args</a:t>
-            </a:r>
-            <a:r>
-              <a:rPr lang="en-US" sz="1400" dirty="0">
-                <a:solidFill>
-                  <a:schemeClr val="accent6">
-                    <a:lumMod val="75000"/>
-                  </a:schemeClr>
-                </a:solidFill>
-              </a:rPr>
-              <a:t>)</a:t>
-            </a:r>
-          </a:p>
-          <a:p>
-            <a:r>
-              <a:rPr lang="en-US" sz="1400" dirty="0"/>
-              <a:t>allows you to print an arbitrary number of objects. It can be called like this:</a:t>
-            </a:r>
-          </a:p>
-          <a:p>
-            <a:r>
-              <a:rPr lang="en-US" sz="1400" dirty="0" err="1" smtClean="0">
-                <a:solidFill>
-                  <a:schemeClr val="accent6">
-                    <a:lumMod val="75000"/>
-                  </a:schemeClr>
-                </a:solidFill>
-              </a:rPr>
-              <a:t>System.out.printf</a:t>
-            </a:r>
-            <a:r>
-              <a:rPr lang="en-US" sz="1400" dirty="0">
-                <a:solidFill>
-                  <a:schemeClr val="accent6">
-                    <a:lumMod val="75000"/>
-                  </a:schemeClr>
-                </a:solidFill>
-              </a:rPr>
-              <a:t>("%s: %d, %</a:t>
-            </a:r>
-            <a:r>
-              <a:rPr lang="en-US" sz="1400" dirty="0" err="1">
-                <a:solidFill>
-                  <a:schemeClr val="accent6">
-                    <a:lumMod val="75000"/>
-                  </a:schemeClr>
-                </a:solidFill>
-              </a:rPr>
-              <a:t>s%n</a:t>
-            </a:r>
-            <a:r>
-              <a:rPr lang="en-US" sz="1400" dirty="0">
-                <a:solidFill>
-                  <a:schemeClr val="accent6">
-                    <a:lumMod val="75000"/>
-                  </a:schemeClr>
-                </a:solidFill>
-              </a:rPr>
-              <a:t>", name, </a:t>
-            </a:r>
-            <a:r>
-              <a:rPr lang="en-US" sz="1400" dirty="0" err="1">
-                <a:solidFill>
-                  <a:schemeClr val="accent6">
-                    <a:lumMod val="75000"/>
-                  </a:schemeClr>
-                </a:solidFill>
-              </a:rPr>
-              <a:t>idnum</a:t>
-            </a:r>
-            <a:r>
-              <a:rPr lang="en-US" sz="1400" dirty="0">
-                <a:solidFill>
-                  <a:schemeClr val="accent6">
-                    <a:lumMod val="75000"/>
-                  </a:schemeClr>
-                </a:solidFill>
-              </a:rPr>
-              <a:t>, address</a:t>
-            </a:r>
-            <a:r>
-              <a:rPr lang="en-US" sz="1400" dirty="0" smtClean="0">
-                <a:solidFill>
-                  <a:schemeClr val="accent6">
-                    <a:lumMod val="75000"/>
-                  </a:schemeClr>
-                </a:solidFill>
-              </a:rPr>
-              <a:t>);</a:t>
-            </a:r>
-            <a:endParaRPr lang="en-US" sz="1400" dirty="0">
-              <a:solidFill>
-                <a:schemeClr val="accent6">
-                  <a:lumMod val="75000"/>
-                </a:schemeClr>
-              </a:solidFill>
-            </a:endParaRPr>
+              <a:rPr lang="en-US" sz="2800" b="1" dirty="0"/>
+              <a:t>Type Comparison Operator </a:t>
+            </a:r>
+            <a:r>
+              <a:rPr lang="en-US" sz="2800" b="1" dirty="0" err="1"/>
+              <a:t>instanceof</a:t>
+            </a:r>
+            <a:endParaRPr lang="en-US" sz="2800" b="1" dirty="0"/>
           </a:p>
         </p:txBody>
       </p:sp>
@@ -4899,10 +4450,157 @@
           </a:p>
         </p:txBody>
       </p:sp>
+      <p:sp>
+        <p:nvSpPr>
+          <p:cNvPr id="12" name="Rectangle 11"/>
+          <p:cNvSpPr/>
+          <p:nvPr/>
+        </p:nvSpPr>
+        <p:spPr>
+          <a:xfrm>
+            <a:off x="1202919" y="3222106"/>
+            <a:ext cx="8224416" cy="3354765"/>
+          </a:xfrm>
+          <a:prstGeom prst="rect">
+            <a:avLst/>
+          </a:prstGeom>
+        </p:spPr>
+        <p:txBody>
+          <a:bodyPr wrap="square">
+            <a:spAutoFit/>
+          </a:bodyPr>
+          <a:lstStyle/>
+          <a:p>
+            <a:pPr marL="285750" indent="-285750">
+              <a:buFont typeface="Arial" panose="020B0604020202020204" pitchFamily="34" charset="0"/>
+              <a:buChar char="•"/>
+            </a:pPr>
+            <a:r>
+              <a:rPr lang="en-US" sz="2000" dirty="0"/>
+              <a:t>The </a:t>
+            </a:r>
+            <a:r>
+              <a:rPr lang="en-US" sz="2000" dirty="0" err="1"/>
+              <a:t>instanceof</a:t>
+            </a:r>
+            <a:r>
+              <a:rPr lang="en-US" sz="2000" dirty="0"/>
+              <a:t> operator compares an object to a specified type. </a:t>
+            </a:r>
+            <a:endParaRPr lang="en-US" sz="2000" dirty="0" smtClean="0"/>
+          </a:p>
+          <a:p>
+            <a:pPr marL="285750" indent="-285750">
+              <a:buFont typeface="Arial" panose="020B0604020202020204" pitchFamily="34" charset="0"/>
+              <a:buChar char="•"/>
+            </a:pPr>
+            <a:endParaRPr lang="en-US" sz="2000" dirty="0"/>
+          </a:p>
+          <a:p>
+            <a:pPr marL="285750" indent="-285750">
+              <a:buFont typeface="Arial" panose="020B0604020202020204" pitchFamily="34" charset="0"/>
+              <a:buChar char="•"/>
+            </a:pPr>
+            <a:r>
+              <a:rPr lang="en-US" sz="2000" dirty="0" smtClean="0"/>
+              <a:t>You </a:t>
+            </a:r>
+            <a:r>
+              <a:rPr lang="en-US" sz="2000" dirty="0"/>
+              <a:t>can use it to test if an object is an instance of a class, an instance of a subclass, or an instance of a class that implements a particular </a:t>
+            </a:r>
+            <a:r>
+              <a:rPr lang="en-US" sz="2000" dirty="0" smtClean="0"/>
+              <a:t>interface</a:t>
+            </a:r>
+          </a:p>
+          <a:p>
+            <a:pPr marL="285750" indent="-285750">
+              <a:buFont typeface="Arial" panose="020B0604020202020204" pitchFamily="34" charset="0"/>
+              <a:buChar char="•"/>
+            </a:pPr>
+            <a:endParaRPr lang="en-US" sz="2000" dirty="0"/>
+          </a:p>
+          <a:p>
+            <a:pPr marL="285750" indent="-285750">
+              <a:buFont typeface="Arial" panose="020B0604020202020204" pitchFamily="34" charset="0"/>
+              <a:buChar char="•"/>
+            </a:pPr>
+            <a:r>
+              <a:rPr lang="en-US" sz="3200" dirty="0" smtClean="0"/>
+              <a:t>Classes implementing interfaces</a:t>
+            </a:r>
+          </a:p>
+          <a:p>
+            <a:pPr marL="285750" indent="-285750">
+              <a:buFont typeface="Arial" panose="020B0604020202020204" pitchFamily="34" charset="0"/>
+              <a:buChar char="•"/>
+            </a:pPr>
+            <a:r>
+              <a:rPr lang="en-US" sz="2000" dirty="0"/>
+              <a:t>class </a:t>
+            </a:r>
+            <a:r>
+              <a:rPr lang="en-US" sz="2000" dirty="0" err="1"/>
+              <a:t>MyClass</a:t>
+            </a:r>
+            <a:r>
+              <a:rPr lang="en-US" sz="2000" dirty="0"/>
+              <a:t> extends </a:t>
+            </a:r>
+            <a:r>
+              <a:rPr lang="en-US" sz="2000" dirty="0" err="1"/>
+              <a:t>MySuperClass</a:t>
+            </a:r>
+            <a:r>
+              <a:rPr lang="en-US" sz="2000" dirty="0"/>
+              <a:t> implements </a:t>
+            </a:r>
+            <a:r>
+              <a:rPr lang="en-US" sz="2000" dirty="0" err="1"/>
+              <a:t>YourInterface</a:t>
+            </a:r>
+            <a:r>
+              <a:rPr lang="en-US" sz="2000" dirty="0"/>
+              <a:t> {</a:t>
+            </a:r>
+          </a:p>
+          <a:p>
+            <a:pPr marL="285750" indent="-285750">
+              <a:buFont typeface="Arial" panose="020B0604020202020204" pitchFamily="34" charset="0"/>
+              <a:buChar char="•"/>
+            </a:pPr>
+            <a:r>
+              <a:rPr lang="en-US" sz="2000" dirty="0"/>
+              <a:t>    // field, constructor, and</a:t>
+            </a:r>
+          </a:p>
+          <a:p>
+            <a:pPr marL="285750" indent="-285750">
+              <a:buFont typeface="Arial" panose="020B0604020202020204" pitchFamily="34" charset="0"/>
+              <a:buChar char="•"/>
+            </a:pPr>
+            <a:r>
+              <a:rPr lang="en-US" sz="2000" dirty="0"/>
+              <a:t>    // method declarations</a:t>
+            </a:r>
+          </a:p>
+          <a:p>
+            <a:pPr marL="285750" indent="-285750">
+              <a:buFont typeface="Arial" panose="020B0604020202020204" pitchFamily="34" charset="0"/>
+              <a:buChar char="•"/>
+            </a:pPr>
+            <a:r>
+              <a:rPr lang="en-US" sz="2000" dirty="0"/>
+              <a:t>}</a:t>
+            </a:r>
+          </a:p>
+        </p:txBody>
+      </p:sp>
     </p:spTree>
     <p:extLst>
       <p:ext uri="{BB962C8B-B14F-4D97-AF65-F5344CB8AC3E}">
-        <p14:creationId xmlns:p14="http://schemas.microsoft.com/office/powerpoint/2010/main" val="3614015230"/>
+        <p14:creationId xmlns:p14="http://schemas.microsoft.com/office/powerpoint/2010/main" val="86288042"/>
       </p:ext>
     </p:extLst>
   </p:cSld>
@@ -5036,7 +4734,7 @@
         <p:spPr>
           <a:xfrm>
             <a:off x="460375" y="1792936"/>
-            <a:ext cx="9994005" cy="1631216"/>
+            <a:ext cx="9994005" cy="4985980"/>
           </a:xfrm>
           <a:prstGeom prst="rect">
             <a:avLst/>
@@ -5050,73 +4748,317 @@
           <a:lstStyle/>
           <a:p>
             <a:r>
-              <a:rPr lang="en-US" sz="2800" u="sng" dirty="0"/>
-              <a:t>Returning a Class or </a:t>
-            </a:r>
-            <a:r>
-              <a:rPr lang="en-US" sz="2800" u="sng" dirty="0" smtClean="0"/>
-              <a:t>Interface</a:t>
-            </a:r>
-          </a:p>
-          <a:p>
-            <a:pPr marL="457200" indent="-457200">
-              <a:buFont typeface="Arial" panose="020B0604020202020204" pitchFamily="34" charset="0"/>
-              <a:buChar char="•"/>
-            </a:pPr>
-            <a:r>
-              <a:rPr lang="en-US" sz="2400" i="1" dirty="0"/>
-              <a:t>When a method uses a class name as its return </a:t>
-            </a:r>
-            <a:r>
-              <a:rPr lang="en-US" sz="2400" i="1" dirty="0" smtClean="0"/>
-              <a:t>type </a:t>
-            </a:r>
-            <a:r>
-              <a:rPr lang="en-US" sz="2400" i="1" dirty="0"/>
-              <a:t>the class of the type of the returned object must be either a subclass of, or the exact class of, the return </a:t>
-            </a:r>
-            <a:r>
-              <a:rPr lang="en-US" sz="2400" i="1" dirty="0" smtClean="0"/>
-              <a:t>type.</a:t>
-            </a:r>
-            <a:endParaRPr lang="en-US" sz="2400" i="1" dirty="0"/>
-          </a:p>
-        </p:txBody>
-      </p:sp>
-      <p:pic>
-        <p:nvPicPr>
-          <p:cNvPr id="3" name="Picture 2"/>
-          <p:cNvPicPr>
-            <a:picLocks noChangeAspect="1"/>
-          </p:cNvPicPr>
-          <p:nvPr/>
-        </p:nvPicPr>
-        <p:blipFill>
-          <a:blip r:embed="rId2"/>
-          <a:stretch>
-            <a:fillRect/>
-          </a:stretch>
-        </p:blipFill>
-        <p:spPr>
-          <a:xfrm>
-            <a:off x="746974" y="4512753"/>
-            <a:ext cx="2150771" cy="2253890"/>
-          </a:xfrm>
-          <a:prstGeom prst="rect">
-            <a:avLst/>
-          </a:prstGeom>
-        </p:spPr>
-      </p:pic>
-      <p:sp>
-        <p:nvSpPr>
-          <p:cNvPr id="7" name="TextBox 6"/>
+              <a:rPr lang="en-US" sz="3200" b="1" u="sng" dirty="0" err="1" smtClean="0"/>
+              <a:t>Varargs</a:t>
+            </a:r>
+            <a:r>
+              <a:rPr lang="en-US" sz="3200" b="1" u="sng" dirty="0" smtClean="0"/>
+              <a:t> – Specifying Arbitrary number of arguments</a:t>
+            </a:r>
+          </a:p>
+          <a:p>
+            <a:r>
+              <a:rPr lang="en-US" dirty="0"/>
+              <a:t>public Polygon </a:t>
+            </a:r>
+            <a:r>
+              <a:rPr lang="en-US" dirty="0" err="1"/>
+              <a:t>polygonFrom</a:t>
+            </a:r>
+            <a:r>
+              <a:rPr lang="en-US" dirty="0"/>
+              <a:t>(Point... corners) {</a:t>
+            </a:r>
+          </a:p>
+          <a:p>
+            <a:r>
+              <a:rPr lang="en-US" dirty="0"/>
+              <a:t>    </a:t>
+            </a:r>
+            <a:r>
+              <a:rPr lang="en-US" dirty="0" err="1"/>
+              <a:t>int</a:t>
+            </a:r>
+            <a:r>
+              <a:rPr lang="en-US" dirty="0"/>
+              <a:t> </a:t>
+            </a:r>
+            <a:r>
+              <a:rPr lang="en-US" dirty="0" err="1"/>
+              <a:t>numberOfSides</a:t>
+            </a:r>
+            <a:r>
+              <a:rPr lang="en-US" dirty="0"/>
+              <a:t> = </a:t>
+            </a:r>
+            <a:r>
+              <a:rPr lang="en-US" dirty="0" err="1"/>
+              <a:t>corners.length</a:t>
+            </a:r>
+            <a:r>
+              <a:rPr lang="en-US" dirty="0"/>
+              <a:t>;</a:t>
+            </a:r>
+          </a:p>
+          <a:p>
+            <a:r>
+              <a:rPr lang="en-US" dirty="0"/>
+              <a:t>    double squareOfSide1, lengthOfSide1;</a:t>
+            </a:r>
+          </a:p>
+          <a:p>
+            <a:r>
+              <a:rPr lang="en-US" dirty="0"/>
+              <a:t>    squareOfSide1 = (corners[1].x - corners[0].x)</a:t>
+            </a:r>
+          </a:p>
+          <a:p>
+            <a:r>
+              <a:rPr lang="en-US" dirty="0"/>
+              <a:t>                     * (corners[1].x - corners[0].x) </a:t>
+            </a:r>
+          </a:p>
+          <a:p>
+            <a:r>
+              <a:rPr lang="en-US" dirty="0"/>
+              <a:t>                     + (corners[1].y - corners[0].y)</a:t>
+            </a:r>
+          </a:p>
+          <a:p>
+            <a:r>
+              <a:rPr lang="en-US" dirty="0"/>
+              <a:t>                     * (corners[1].y - corners[0].y);</a:t>
+            </a:r>
+          </a:p>
+          <a:p>
+            <a:r>
+              <a:rPr lang="en-US" dirty="0"/>
+              <a:t>    lengthOfSide1 = </a:t>
+            </a:r>
+            <a:r>
+              <a:rPr lang="en-US" dirty="0" err="1"/>
+              <a:t>Math.sqrt</a:t>
+            </a:r>
+            <a:r>
+              <a:rPr lang="en-US" dirty="0"/>
+              <a:t>(squareOfSide1);</a:t>
+            </a:r>
+          </a:p>
+          <a:p>
+            <a:endParaRPr lang="en-US" dirty="0"/>
+          </a:p>
+          <a:p>
+            <a:r>
+              <a:rPr lang="en-US" dirty="0"/>
+              <a:t>    // more method body code follows that creates and returns a </a:t>
+            </a:r>
+          </a:p>
+          <a:p>
+            <a:r>
+              <a:rPr lang="en-US" dirty="0"/>
+              <a:t>    // polygon connecting the Points</a:t>
+            </a:r>
+          </a:p>
+          <a:p>
+            <a:r>
+              <a:rPr lang="en-US" dirty="0" smtClean="0"/>
+              <a:t>}</a:t>
+            </a:r>
+          </a:p>
+          <a:p>
+            <a:r>
+              <a:rPr lang="en-US" sz="1400" dirty="0"/>
+              <a:t>You will most commonly see </a:t>
+            </a:r>
+            <a:r>
+              <a:rPr lang="en-US" sz="1400" dirty="0" err="1"/>
+              <a:t>varargs</a:t>
+            </a:r>
+            <a:r>
+              <a:rPr lang="en-US" sz="1400" dirty="0"/>
+              <a:t> with the printing methods; for example, this </a:t>
+            </a:r>
+            <a:r>
+              <a:rPr lang="en-US" sz="1400" dirty="0" err="1"/>
+              <a:t>printf</a:t>
+            </a:r>
+            <a:r>
+              <a:rPr lang="en-US" sz="1400" dirty="0"/>
+              <a:t> method:</a:t>
+            </a:r>
+          </a:p>
+          <a:p>
+            <a:endParaRPr lang="en-US" sz="1400" dirty="0"/>
+          </a:p>
+          <a:p>
+            <a:r>
+              <a:rPr lang="en-US" sz="1400" dirty="0">
+                <a:solidFill>
+                  <a:schemeClr val="accent6">
+                    <a:lumMod val="75000"/>
+                  </a:schemeClr>
+                </a:solidFill>
+              </a:rPr>
+              <a:t>public </a:t>
+            </a:r>
+            <a:r>
+              <a:rPr lang="en-US" sz="1400" dirty="0" err="1">
+                <a:solidFill>
+                  <a:schemeClr val="accent6">
+                    <a:lumMod val="75000"/>
+                  </a:schemeClr>
+                </a:solidFill>
+              </a:rPr>
+              <a:t>PrintStream</a:t>
+            </a:r>
+            <a:r>
+              <a:rPr lang="en-US" sz="1400" dirty="0">
+                <a:solidFill>
+                  <a:schemeClr val="accent6">
+                    <a:lumMod val="75000"/>
+                  </a:schemeClr>
+                </a:solidFill>
+              </a:rPr>
+              <a:t> </a:t>
+            </a:r>
+            <a:r>
+              <a:rPr lang="en-US" sz="1400" dirty="0" err="1">
+                <a:solidFill>
+                  <a:schemeClr val="accent6">
+                    <a:lumMod val="75000"/>
+                  </a:schemeClr>
+                </a:solidFill>
+              </a:rPr>
+              <a:t>printf</a:t>
+            </a:r>
+            <a:r>
+              <a:rPr lang="en-US" sz="1400" dirty="0">
+                <a:solidFill>
+                  <a:schemeClr val="accent6">
+                    <a:lumMod val="75000"/>
+                  </a:schemeClr>
+                </a:solidFill>
+              </a:rPr>
+              <a:t>(String format, Object... </a:t>
+            </a:r>
+            <a:r>
+              <a:rPr lang="en-US" sz="1400" dirty="0" err="1">
+                <a:solidFill>
+                  <a:schemeClr val="accent6">
+                    <a:lumMod val="75000"/>
+                  </a:schemeClr>
+                </a:solidFill>
+              </a:rPr>
+              <a:t>args</a:t>
+            </a:r>
+            <a:r>
+              <a:rPr lang="en-US" sz="1400" dirty="0">
+                <a:solidFill>
+                  <a:schemeClr val="accent6">
+                    <a:lumMod val="75000"/>
+                  </a:schemeClr>
+                </a:solidFill>
+              </a:rPr>
+              <a:t>)</a:t>
+            </a:r>
+          </a:p>
+          <a:p>
+            <a:r>
+              <a:rPr lang="en-US" sz="1400" dirty="0"/>
+              <a:t>allows you to print an arbitrary number of objects. It can be called like this:</a:t>
+            </a:r>
+          </a:p>
+          <a:p>
+            <a:r>
+              <a:rPr lang="en-US" sz="1400" dirty="0" err="1" smtClean="0">
+                <a:solidFill>
+                  <a:schemeClr val="accent6">
+                    <a:lumMod val="75000"/>
+                  </a:schemeClr>
+                </a:solidFill>
+              </a:rPr>
+              <a:t>System.out.printf</a:t>
+            </a:r>
+            <a:r>
+              <a:rPr lang="en-US" sz="1400" dirty="0">
+                <a:solidFill>
+                  <a:schemeClr val="accent6">
+                    <a:lumMod val="75000"/>
+                  </a:schemeClr>
+                </a:solidFill>
+              </a:rPr>
+              <a:t>("%s: %d, %</a:t>
+            </a:r>
+            <a:r>
+              <a:rPr lang="en-US" sz="1400" dirty="0" err="1">
+                <a:solidFill>
+                  <a:schemeClr val="accent6">
+                    <a:lumMod val="75000"/>
+                  </a:schemeClr>
+                </a:solidFill>
+              </a:rPr>
+              <a:t>s%n</a:t>
+            </a:r>
+            <a:r>
+              <a:rPr lang="en-US" sz="1400" dirty="0">
+                <a:solidFill>
+                  <a:schemeClr val="accent6">
+                    <a:lumMod val="75000"/>
+                  </a:schemeClr>
+                </a:solidFill>
+              </a:rPr>
+              <a:t>", name, </a:t>
+            </a:r>
+            <a:r>
+              <a:rPr lang="en-US" sz="1400" dirty="0" err="1">
+                <a:solidFill>
+                  <a:schemeClr val="accent6">
+                    <a:lumMod val="75000"/>
+                  </a:schemeClr>
+                </a:solidFill>
+              </a:rPr>
+              <a:t>idnum</a:t>
+            </a:r>
+            <a:r>
+              <a:rPr lang="en-US" sz="1400" dirty="0">
+                <a:solidFill>
+                  <a:schemeClr val="accent6">
+                    <a:lumMod val="75000"/>
+                  </a:schemeClr>
+                </a:solidFill>
+              </a:rPr>
+              <a:t>, address</a:t>
+            </a:r>
+            <a:r>
+              <a:rPr lang="en-US" sz="1400" dirty="0" smtClean="0">
+                <a:solidFill>
+                  <a:schemeClr val="accent6">
+                    <a:lumMod val="75000"/>
+                  </a:schemeClr>
+                </a:solidFill>
+              </a:rPr>
+              <a:t>);</a:t>
+            </a:r>
+            <a:endParaRPr lang="en-US" sz="1400" dirty="0">
+              <a:solidFill>
+                <a:schemeClr val="accent6">
+                  <a:lumMod val="75000"/>
+                </a:schemeClr>
+              </a:solidFill>
+            </a:endParaRPr>
+          </a:p>
+        </p:txBody>
+      </p:sp>
+      <p:sp>
+        <p:nvSpPr>
+          <p:cNvPr id="9" name="TextBox 8"/>
           <p:cNvSpPr txBox="1"/>
           <p:nvPr/>
         </p:nvSpPr>
         <p:spPr>
           <a:xfrm>
-            <a:off x="3593206" y="3608818"/>
-            <a:ext cx="8598794" cy="2585323"/>
+            <a:off x="1300766" y="3098995"/>
+            <a:ext cx="9440214" cy="3198774"/>
           </a:xfrm>
           <a:prstGeom prst="rect">
             <a:avLst/>
@@ -5129,99 +5071,6 @@
           </a:bodyPr>
           <a:lstStyle/>
           <a:p>
-            <a:r>
-              <a:rPr lang="en-US" dirty="0" smtClean="0">
-                <a:solidFill>
-                  <a:schemeClr val="accent6">
-                    <a:lumMod val="75000"/>
-                  </a:schemeClr>
-                </a:solidFill>
-              </a:rPr>
-              <a:t>public Number </a:t>
-            </a:r>
-            <a:r>
-              <a:rPr lang="en-US" dirty="0" err="1" smtClean="0">
-                <a:solidFill>
-                  <a:schemeClr val="accent6">
-                    <a:lumMod val="75000"/>
-                  </a:schemeClr>
-                </a:solidFill>
-              </a:rPr>
-              <a:t>returnANumber</a:t>
-            </a:r>
-            <a:r>
-              <a:rPr lang="en-US" dirty="0" smtClean="0">
-                <a:solidFill>
-                  <a:schemeClr val="accent6">
-                    <a:lumMod val="75000"/>
-                  </a:schemeClr>
-                </a:solidFill>
-              </a:rPr>
-              <a:t>() {</a:t>
-            </a:r>
-          </a:p>
-          <a:p>
-            <a:r>
-              <a:rPr lang="en-US" dirty="0" smtClean="0">
-                <a:solidFill>
-                  <a:schemeClr val="accent6">
-                    <a:lumMod val="75000"/>
-                  </a:schemeClr>
-                </a:solidFill>
-              </a:rPr>
-              <a:t>    ...</a:t>
-            </a:r>
-          </a:p>
-          <a:p>
-            <a:r>
-              <a:rPr lang="en-US" dirty="0" smtClean="0">
-                <a:solidFill>
-                  <a:schemeClr val="accent6">
-                    <a:lumMod val="75000"/>
-                  </a:schemeClr>
-                </a:solidFill>
-              </a:rPr>
-              <a:t>}</a:t>
-            </a:r>
-          </a:p>
-          <a:p>
-            <a:endParaRPr lang="en-US" dirty="0"/>
-          </a:p>
-          <a:p>
-            <a:r>
-              <a:rPr lang="en-US" dirty="0"/>
-              <a:t>The </a:t>
-            </a:r>
-            <a:r>
-              <a:rPr lang="en-US" dirty="0" err="1"/>
-              <a:t>returnANumber</a:t>
-            </a:r>
-            <a:r>
-              <a:rPr lang="en-US" dirty="0"/>
-              <a:t> method can return an </a:t>
-            </a:r>
-            <a:r>
-              <a:rPr lang="en-US" dirty="0" err="1"/>
-              <a:t>ImaginaryNumber</a:t>
-            </a:r>
-            <a:r>
-              <a:rPr lang="en-US" dirty="0"/>
-              <a:t> but not an Object. </a:t>
-            </a:r>
-            <a:r>
-              <a:rPr lang="en-US" dirty="0" err="1"/>
-              <a:t>ImaginaryNumber</a:t>
-            </a:r>
-            <a:r>
-              <a:rPr lang="en-US" dirty="0"/>
-              <a:t> is a Number because it's a subclass of Number. However, an Object is not necessarily a Number — it could be a String or another type</a:t>
-            </a:r>
-            <a:endParaRPr lang="en-US" dirty="0" smtClean="0"/>
-          </a:p>
-          <a:p>
-            <a:endParaRPr lang="en-US" dirty="0"/>
-          </a:p>
-          <a:p>
             <a:endParaRPr lang="en-US" dirty="0"/>
           </a:p>
         </p:txBody>
@@ -5229,7 +5078,7 @@
     </p:spTree>
     <p:extLst>
       <p:ext uri="{BB962C8B-B14F-4D97-AF65-F5344CB8AC3E}">
-        <p14:creationId xmlns:p14="http://schemas.microsoft.com/office/powerpoint/2010/main" val="1271906606"/>
+        <p14:creationId xmlns:p14="http://schemas.microsoft.com/office/powerpoint/2010/main" val="3614015230"/>
       </p:ext>
     </p:extLst>
   </p:cSld>
@@ -5280,6 +5129,333 @@
           <a:p>
             <a:r>
               <a:rPr lang="en-US" dirty="0" smtClean="0"/>
+              <a:t>Java - miscellaneous</a:t>
+            </a:r>
+            <a:endParaRPr lang="en-US" dirty="0"/>
+          </a:p>
+        </p:txBody>
+      </p:sp>
+      <p:sp>
+        <p:nvSpPr>
+          <p:cNvPr id="6" name="TextBox 5"/>
+          <p:cNvSpPr txBox="1"/>
+          <p:nvPr/>
+        </p:nvSpPr>
+        <p:spPr>
+          <a:xfrm>
+            <a:off x="746975" y="2099256"/>
+            <a:ext cx="6645498" cy="646331"/>
+          </a:xfrm>
+          <a:prstGeom prst="rect">
+            <a:avLst/>
+          </a:prstGeom>
+          <a:noFill/>
+        </p:spPr>
+        <p:txBody>
+          <a:bodyPr wrap="square" rtlCol="0">
+            <a:spAutoFit/>
+          </a:bodyPr>
+          <a:lstStyle/>
+          <a:p>
+            <a:endParaRPr lang="en-US" b="1" dirty="0" smtClean="0"/>
+          </a:p>
+          <a:p>
+            <a:endParaRPr lang="en-US" dirty="0"/>
+          </a:p>
+        </p:txBody>
+      </p:sp>
+      <p:sp>
+        <p:nvSpPr>
+          <p:cNvPr id="4" name="AutoShape 8" descr="http://www.penjee.com/programming/wp-content/uploads/2014/05/parameter-vs-argument-diagram.png"/>
+          <p:cNvSpPr>
+            <a:spLocks noChangeAspect="1" noChangeArrowheads="1"/>
+          </p:cNvSpPr>
+          <p:nvPr/>
+        </p:nvSpPr>
+        <p:spPr bwMode="auto">
+          <a:xfrm>
+            <a:off x="155575" y="-144463"/>
+            <a:ext cx="304800" cy="304801"/>
+          </a:xfrm>
+          <a:prstGeom prst="rect">
+            <a:avLst/>
+          </a:prstGeom>
+          <a:noFill/>
+          <a:extLst>
+            <a:ext uri="{909E8E84-426E-40DD-AFC4-6F175D3DCCD1}">
+              <a14:hiddenFill xmlns:a14="http://schemas.microsoft.com/office/drawing/2010/main">
+                <a:solidFill>
+                  <a:srgbClr val="FFFFFF"/>
+                </a:solidFill>
+              </a14:hiddenFill>
+            </a:ext>
+          </a:extLst>
+        </p:spPr>
+        <p:txBody>
+          <a:bodyPr vert="horz" wrap="square" lIns="91440" tIns="45720" rIns="91440" bIns="45720" numCol="1" anchor="t" anchorCtr="0" compatLnSpc="1">
+            <a:prstTxWarp prst="textNoShape">
+              <a:avLst/>
+            </a:prstTxWarp>
+          </a:bodyPr>
+          <a:lstStyle/>
+          <a:p>
+            <a:endParaRPr lang="en-US"/>
+          </a:p>
+        </p:txBody>
+      </p:sp>
+      <p:sp>
+        <p:nvSpPr>
+          <p:cNvPr id="8" name="TextBox 7"/>
+          <p:cNvSpPr txBox="1"/>
+          <p:nvPr/>
+        </p:nvSpPr>
+        <p:spPr>
+          <a:xfrm>
+            <a:off x="460375" y="1792936"/>
+            <a:ext cx="9994005" cy="1631216"/>
+          </a:xfrm>
+          <a:prstGeom prst="rect">
+            <a:avLst/>
+          </a:prstGeom>
+          <a:noFill/>
+        </p:spPr>
+        <p:txBody>
+          <a:bodyPr wrap="square" rtlCol="0">
+            <a:spAutoFit/>
+          </a:bodyPr>
+          <a:lstStyle/>
+          <a:p>
+            <a:r>
+              <a:rPr lang="en-US" sz="2800" u="sng" dirty="0"/>
+              <a:t>Returning a Class or </a:t>
+            </a:r>
+            <a:r>
+              <a:rPr lang="en-US" sz="2800" u="sng" dirty="0" smtClean="0"/>
+              <a:t>Interface</a:t>
+            </a:r>
+          </a:p>
+          <a:p>
+            <a:pPr marL="457200" indent="-457200">
+              <a:buFont typeface="Arial" panose="020B0604020202020204" pitchFamily="34" charset="0"/>
+              <a:buChar char="•"/>
+            </a:pPr>
+            <a:r>
+              <a:rPr lang="en-US" sz="2400" i="1" dirty="0"/>
+              <a:t>When a method uses a class name as its return </a:t>
+            </a:r>
+            <a:r>
+              <a:rPr lang="en-US" sz="2400" i="1" dirty="0" smtClean="0"/>
+              <a:t>type </a:t>
+            </a:r>
+            <a:r>
+              <a:rPr lang="en-US" sz="2400" i="1" dirty="0"/>
+              <a:t>the class of the type of the returned object must be either a subclass of, or the exact class of, the return </a:t>
+            </a:r>
+            <a:r>
+              <a:rPr lang="en-US" sz="2400" i="1" dirty="0" smtClean="0"/>
+              <a:t>type.</a:t>
+            </a:r>
+            <a:endParaRPr lang="en-US" sz="2400" i="1" dirty="0"/>
+          </a:p>
+        </p:txBody>
+      </p:sp>
+      <p:pic>
+        <p:nvPicPr>
+          <p:cNvPr id="3" name="Picture 2"/>
+          <p:cNvPicPr>
+            <a:picLocks noChangeAspect="1"/>
+          </p:cNvPicPr>
+          <p:nvPr/>
+        </p:nvPicPr>
+        <p:blipFill>
+          <a:blip r:embed="rId2"/>
+          <a:stretch>
+            <a:fillRect/>
+          </a:stretch>
+        </p:blipFill>
+        <p:spPr>
+          <a:xfrm>
+            <a:off x="746974" y="4512753"/>
+            <a:ext cx="2150771" cy="2253890"/>
+          </a:xfrm>
+          <a:prstGeom prst="rect">
+            <a:avLst/>
+          </a:prstGeom>
+        </p:spPr>
+      </p:pic>
+      <p:sp>
+        <p:nvSpPr>
+          <p:cNvPr id="7" name="TextBox 6"/>
+          <p:cNvSpPr txBox="1"/>
+          <p:nvPr/>
+        </p:nvSpPr>
+        <p:spPr>
+          <a:xfrm>
+            <a:off x="3593206" y="3608818"/>
+            <a:ext cx="8598794" cy="2585323"/>
+          </a:xfrm>
+          <a:prstGeom prst="rect">
+            <a:avLst/>
+          </a:prstGeom>
+          <a:noFill/>
+        </p:spPr>
+        <p:txBody>
+          <a:bodyPr wrap="square" rtlCol="0">
+            <a:spAutoFit/>
+          </a:bodyPr>
+          <a:lstStyle/>
+          <a:p>
+            <a:r>
+              <a:rPr lang="en-US" dirty="0" smtClean="0">
+                <a:solidFill>
+                  <a:schemeClr val="accent6">
+                    <a:lumMod val="75000"/>
+                  </a:schemeClr>
+                </a:solidFill>
+              </a:rPr>
+              <a:t>public Number </a:t>
+            </a:r>
+            <a:r>
+              <a:rPr lang="en-US" dirty="0" err="1" smtClean="0">
+                <a:solidFill>
+                  <a:schemeClr val="accent6">
+                    <a:lumMod val="75000"/>
+                  </a:schemeClr>
+                </a:solidFill>
+              </a:rPr>
+              <a:t>returnANumber</a:t>
+            </a:r>
+            <a:r>
+              <a:rPr lang="en-US" dirty="0" smtClean="0">
+                <a:solidFill>
+                  <a:schemeClr val="accent6">
+                    <a:lumMod val="75000"/>
+                  </a:schemeClr>
+                </a:solidFill>
+              </a:rPr>
+              <a:t>() {</a:t>
+            </a:r>
+          </a:p>
+          <a:p>
+            <a:r>
+              <a:rPr lang="en-US" dirty="0" smtClean="0">
+                <a:solidFill>
+                  <a:schemeClr val="accent6">
+                    <a:lumMod val="75000"/>
+                  </a:schemeClr>
+                </a:solidFill>
+              </a:rPr>
+              <a:t>    ...</a:t>
+            </a:r>
+          </a:p>
+          <a:p>
+            <a:r>
+              <a:rPr lang="en-US" dirty="0" smtClean="0">
+                <a:solidFill>
+                  <a:schemeClr val="accent6">
+                    <a:lumMod val="75000"/>
+                  </a:schemeClr>
+                </a:solidFill>
+              </a:rPr>
+              <a:t>}</a:t>
+            </a:r>
+          </a:p>
+          <a:p>
+            <a:endParaRPr lang="en-US" dirty="0"/>
+          </a:p>
+          <a:p>
+            <a:r>
+              <a:rPr lang="en-US" dirty="0"/>
+              <a:t>The </a:t>
+            </a:r>
+            <a:r>
+              <a:rPr lang="en-US" dirty="0" err="1"/>
+              <a:t>returnANumber</a:t>
+            </a:r>
+            <a:r>
+              <a:rPr lang="en-US" dirty="0"/>
+              <a:t> method can return an </a:t>
+            </a:r>
+            <a:r>
+              <a:rPr lang="en-US" dirty="0" err="1"/>
+              <a:t>ImaginaryNumber</a:t>
+            </a:r>
+            <a:r>
+              <a:rPr lang="en-US" dirty="0"/>
+              <a:t> but not an Object. </a:t>
+            </a:r>
+            <a:r>
+              <a:rPr lang="en-US" dirty="0" err="1"/>
+              <a:t>ImaginaryNumber</a:t>
+            </a:r>
+            <a:r>
+              <a:rPr lang="en-US" dirty="0"/>
+              <a:t> is a Number because it's a subclass of Number. However, an Object is not necessarily a Number — it could be a String or another type</a:t>
+            </a:r>
+            <a:endParaRPr lang="en-US" dirty="0" smtClean="0"/>
+          </a:p>
+          <a:p>
+            <a:endParaRPr lang="en-US" dirty="0"/>
+          </a:p>
+          <a:p>
+            <a:endParaRPr lang="en-US" dirty="0"/>
+          </a:p>
+        </p:txBody>
+      </p:sp>
+    </p:spTree>
+    <p:extLst>
+      <p:ext uri="{BB962C8B-B14F-4D97-AF65-F5344CB8AC3E}">
+        <p14:creationId xmlns:p14="http://schemas.microsoft.com/office/powerpoint/2010/main" val="1271906606"/>
+      </p:ext>
+    </p:extLst>
+  </p:cSld>
+  <p:clrMapOvr>
+    <a:masterClrMapping/>
+  </p:clrMapOvr>
+  <p:timing>
+    <p:tnLst>
+      <p:par>
+        <p:cTn id="1" dur="indefinite" restart="never" nodeType="tmRoot"/>
+      </p:par>
+    </p:tnLst>
+  </p:timing>
+</p:sld>
+</file>
+
+<file path=ppt/slides/slide18.xml><?xml version="1.0" encoding="utf-8"?>
+<p:sld xmlns:a="http://schemas.openxmlformats.org/drawingml/2006/main" xmlns:r="http://schemas.openxmlformats.org/officeDocument/2006/relationships" xmlns:p="http://schemas.openxmlformats.org/presentationml/2006/main" showMasterSp="0">
+  <p:cSld>
+    <p:spTree>
+      <p:nvGrpSpPr>
+        <p:cNvPr id="1" name=""/>
+        <p:cNvGrpSpPr/>
+        <p:nvPr/>
+      </p:nvGrpSpPr>
+      <p:grpSpPr>
+        <a:xfrm>
+          <a:off x="0" y="0"/>
+          <a:ext cx="0" cy="0"/>
+          <a:chOff x="0" y="0"/>
+          <a:chExt cx="0" cy="0"/>
+        </a:xfrm>
+      </p:grpSpPr>
+      <p:sp>
+        <p:nvSpPr>
+          <p:cNvPr id="2" name="Title 1"/>
+          <p:cNvSpPr>
+            <a:spLocks noGrp="1"/>
+          </p:cNvSpPr>
+          <p:nvPr>
+            <p:ph type="title"/>
+          </p:nvPr>
+        </p:nvSpPr>
+        <p:spPr/>
+        <p:txBody>
+          <a:bodyPr/>
+          <a:lstStyle/>
+          <a:p>
+            <a:r>
+              <a:rPr lang="en-US" dirty="0" smtClean="0"/>
               <a:t>Advanced java</a:t>
             </a:r>
             <a:endParaRPr lang="en-US" dirty="0"/>
@@ -5576,7 +5752,7 @@
 </p:sld>
 </file>
 
-<file path=ppt/slides/slide18.xml><?xml version="1.0" encoding="utf-8"?>
+<file path=ppt/slides/slide19.xml><?xml version="1.0" encoding="utf-8"?>
 <p:sld xmlns:a="http://schemas.openxmlformats.org/drawingml/2006/main" xmlns:r="http://schemas.openxmlformats.org/officeDocument/2006/relationships" xmlns:p="http://schemas.openxmlformats.org/presentationml/2006/main" showMasterSp="0">
   <p:cSld>
     <p:spTree>
@@ -6297,7 +6473,7 @@
       </p:sp>
       <p:pic>
         <p:nvPicPr>
-          <p:cNvPr id="3" name="Picture 2"/>
+          <p:cNvPr id="6" name="Picture 5"/>
           <p:cNvPicPr>
             <a:picLocks noChangeAspect="1"/>
           </p:cNvPicPr>
@@ -6311,110 +6487,18 @@
         </p:blipFill>
         <p:spPr>
           <a:xfrm>
-            <a:off x="1202919" y="3616573"/>
-            <a:ext cx="5837984" cy="2660121"/>
+            <a:off x="155575" y="160337"/>
+            <a:ext cx="8786719" cy="6596925"/>
           </a:xfrm>
           <a:prstGeom prst="rect">
             <a:avLst/>
           </a:prstGeom>
         </p:spPr>
       </p:pic>
-      <p:sp>
-        <p:nvSpPr>
-          <p:cNvPr id="6" name="TextBox 5"/>
-          <p:cNvSpPr txBox="1"/>
-          <p:nvPr/>
-        </p:nvSpPr>
-        <p:spPr>
-          <a:xfrm>
-            <a:off x="685800" y="284176"/>
-            <a:ext cx="8901953" cy="2954655"/>
-          </a:xfrm>
-          <a:prstGeom prst="rect">
-            <a:avLst/>
-          </a:prstGeom>
-          <a:noFill/>
-        </p:spPr>
-        <p:txBody>
-          <a:bodyPr wrap="square" rtlCol="0">
-            <a:spAutoFit/>
-          </a:bodyPr>
-          <a:lstStyle/>
-          <a:p>
-            <a:pPr marL="285750" indent="-285750">
-              <a:buFont typeface="Arial" panose="020B0604020202020204" pitchFamily="34" charset="0"/>
-              <a:buChar char="•"/>
-            </a:pPr>
-            <a:r>
-              <a:rPr lang="en-US" sz="2400" dirty="0" smtClean="0"/>
-              <a:t>Primitives and Wrapper Classes</a:t>
-            </a:r>
-            <a:r>
-              <a:rPr lang="en-US" dirty="0" smtClean="0"/>
-              <a:t>.</a:t>
-            </a:r>
-          </a:p>
-          <a:p>
-            <a:pPr marL="285750" indent="-285750">
-              <a:buFont typeface="Arial" panose="020B0604020202020204" pitchFamily="34" charset="0"/>
-              <a:buChar char="•"/>
-            </a:pPr>
-            <a:endParaRPr lang="en-US" dirty="0"/>
-          </a:p>
-          <a:p>
-            <a:pPr marL="285750" indent="-285750">
-              <a:buFont typeface="Arial" panose="020B0604020202020204" pitchFamily="34" charset="0"/>
-              <a:buChar char="•"/>
-            </a:pPr>
-            <a:r>
-              <a:rPr lang="en-US" sz="2400" dirty="0" smtClean="0"/>
-              <a:t>Advantages of using Wrapper classes over primitives.</a:t>
-            </a:r>
-          </a:p>
-          <a:p>
-            <a:pPr marL="742950" lvl="1" indent="-285750">
-              <a:buFont typeface="Arial" panose="020B0604020202020204" pitchFamily="34" charset="0"/>
-              <a:buChar char="•"/>
-            </a:pPr>
-            <a:r>
-              <a:rPr lang="en-US" sz="2400" dirty="0"/>
-              <a:t>As an argument of a method that expects an </a:t>
-            </a:r>
-            <a:r>
-              <a:rPr lang="en-US" sz="2400" dirty="0" smtClean="0"/>
-              <a:t>object</a:t>
-            </a:r>
-          </a:p>
-          <a:p>
-            <a:pPr marL="742950" lvl="1" indent="-285750">
-              <a:buFont typeface="Arial" panose="020B0604020202020204" pitchFamily="34" charset="0"/>
-              <a:buChar char="•"/>
-            </a:pPr>
-            <a:r>
-              <a:rPr lang="en-US" sz="2400" dirty="0"/>
-              <a:t>To use constants defined by the class, such as MIN_VALUE and </a:t>
-            </a:r>
-            <a:r>
-              <a:rPr lang="en-US" sz="2400" dirty="0" smtClean="0"/>
-              <a:t>MAX_VALUE.</a:t>
-            </a:r>
-          </a:p>
-          <a:p>
-            <a:pPr marL="742950" lvl="1" indent="-285750">
-              <a:buFont typeface="Arial" panose="020B0604020202020204" pitchFamily="34" charset="0"/>
-              <a:buChar char="•"/>
-            </a:pPr>
-            <a:r>
-              <a:rPr lang="en-US" sz="2400" dirty="0"/>
-              <a:t>To use class methods for converting values to and from other primitive types,</a:t>
-            </a:r>
-          </a:p>
-        </p:txBody>
-      </p:sp>
     </p:spTree>
     <p:extLst>
       <p:ext uri="{BB962C8B-B14F-4D97-AF65-F5344CB8AC3E}">
-        <p14:creationId xmlns:p14="http://schemas.microsoft.com/office/powerpoint/2010/main" val="1047631070"/>
+        <p14:creationId xmlns:p14="http://schemas.microsoft.com/office/powerpoint/2010/main" val="1690112952"/>
       </p:ext>
     </p:extLst>
   </p:cSld>
@@ -6578,8 +6662,8 @@
         </p:blipFill>
         <p:spPr>
           <a:xfrm>
-            <a:off x="811369" y="870967"/>
-            <a:ext cx="9725398" cy="5987033"/>
+            <a:off x="1202919" y="3616573"/>
+            <a:ext cx="5837984" cy="2660121"/>
           </a:xfrm>
           <a:prstGeom prst="rect">
             <a:avLst/>
@@ -6594,8 +6678,8 @@
         </p:nvSpPr>
         <p:spPr>
           <a:xfrm>
-            <a:off x="460375" y="160338"/>
-            <a:ext cx="9826625" cy="584775"/>
+            <a:off x="685800" y="284176"/>
+            <a:ext cx="8901953" cy="2954655"/>
           </a:xfrm>
           <a:prstGeom prst="rect">
             <a:avLst/>
@@ -6608,18 +6692,80 @@
           </a:bodyPr>
           <a:lstStyle/>
           <a:p>
-            <a:r>
-              <a:rPr lang="en-US" sz="3200" b="1" dirty="0" smtClean="0"/>
-              <a:t>Methods implemented by all subclasses of Number</a:t>
-            </a:r>
-            <a:endParaRPr lang="en-US" sz="3200" b="1" dirty="0"/>
+            <a:pPr marL="285750" indent="-285750">
+              <a:buFont typeface="Arial" panose="020B0604020202020204" pitchFamily="34" charset="0"/>
+              <a:buChar char="•"/>
+            </a:pPr>
+            <a:r>
+              <a:rPr lang="en-US" sz="2400" dirty="0" smtClean="0"/>
+              <a:t>Primitives and Wrapper Classes</a:t>
+            </a:r>
+            <a:r>
+              <a:rPr lang="en-US" dirty="0" smtClean="0"/>
+              <a:t>.</a:t>
+            </a:r>
+          </a:p>
+          <a:p>
+            <a:pPr marL="285750" indent="-285750">
+              <a:buFont typeface="Arial" panose="020B0604020202020204" pitchFamily="34" charset="0"/>
+              <a:buChar char="•"/>
+            </a:pPr>
+            <a:endParaRPr lang="en-US" dirty="0"/>
+          </a:p>
+          <a:p>
+            <a:pPr marL="285750" indent="-285750">
+              <a:buFont typeface="Arial" panose="020B0604020202020204" pitchFamily="34" charset="0"/>
+              <a:buChar char="•"/>
+            </a:pPr>
+            <a:r>
+              <a:rPr lang="en-US" sz="2400" dirty="0" smtClean="0"/>
+              <a:t>Advantages of using Wrapper classes over primitives.</a:t>
+            </a:r>
+          </a:p>
+          <a:p>
+            <a:pPr marL="742950" lvl="1" indent="-285750">
+              <a:buFont typeface="Arial" panose="020B0604020202020204" pitchFamily="34" charset="0"/>
+              <a:buChar char="•"/>
+            </a:pPr>
+            <a:r>
+              <a:rPr lang="en-US" sz="2400" dirty="0"/>
+              <a:t>As an argument of a method that expects an </a:t>
+            </a:r>
+            <a:r>
+              <a:rPr lang="en-US" sz="2400" dirty="0" smtClean="0"/>
+              <a:t>object</a:t>
+            </a:r>
+          </a:p>
+          <a:p>
+            <a:pPr marL="742950" lvl="1" indent="-285750">
+              <a:buFont typeface="Arial" panose="020B0604020202020204" pitchFamily="34" charset="0"/>
+              <a:buChar char="•"/>
+            </a:pPr>
+            <a:r>
+              <a:rPr lang="en-US" sz="2400" dirty="0"/>
+              <a:t>To use constants defined by the class, such as MIN_VALUE and </a:t>
+            </a:r>
+            <a:r>
+              <a:rPr lang="en-US" sz="2400" dirty="0" smtClean="0"/>
+              <a:t>MAX_VALUE.</a:t>
+            </a:r>
+          </a:p>
+          <a:p>
+            <a:pPr marL="742950" lvl="1" indent="-285750">
+              <a:buFont typeface="Arial" panose="020B0604020202020204" pitchFamily="34" charset="0"/>
+              <a:buChar char="•"/>
+            </a:pPr>
+            <a:r>
+              <a:rPr lang="en-US" sz="2400" dirty="0"/>
+              <a:t>To use class methods for converting values to and from other primitive types,</a:t>
+            </a:r>
           </a:p>
         </p:txBody>
       </p:sp>
     </p:spTree>
     <p:extLst>
       <p:ext uri="{BB962C8B-B14F-4D97-AF65-F5344CB8AC3E}">
-        <p14:creationId xmlns:p14="http://schemas.microsoft.com/office/powerpoint/2010/main" val="3384401810"/>
+        <p14:creationId xmlns:p14="http://schemas.microsoft.com/office/powerpoint/2010/main" val="1047631070"/>
       </p:ext>
     </p:extLst>
   </p:cSld>
@@ -6767,39 +6913,9 @@
           </a:p>
         </p:txBody>
       </p:sp>
-      <p:sp>
-        <p:nvSpPr>
-          <p:cNvPr id="6" name="TextBox 5"/>
-          <p:cNvSpPr txBox="1"/>
-          <p:nvPr/>
-        </p:nvSpPr>
-        <p:spPr>
-          <a:xfrm>
-            <a:off x="460375" y="160338"/>
-            <a:ext cx="9826625" cy="584775"/>
-          </a:xfrm>
-          <a:prstGeom prst="rect">
-            <a:avLst/>
-          </a:prstGeom>
-          <a:noFill/>
-        </p:spPr>
-        <p:txBody>
-          <a:bodyPr wrap="square" rtlCol="0">
-            <a:spAutoFit/>
-          </a:bodyPr>
-          <a:lstStyle/>
-          <a:p>
-            <a:r>
-              <a:rPr lang="en-US" sz="3200" b="1" dirty="0" smtClean="0"/>
-              <a:t>Methods implemented by all subclasses of Number……</a:t>
-            </a:r>
-            <a:endParaRPr lang="en-US" sz="3200" b="1" dirty="0"/>
-          </a:p>
-        </p:txBody>
-      </p:sp>
       <p:pic>
         <p:nvPicPr>
-          <p:cNvPr id="7" name="Picture 6"/>
+          <p:cNvPr id="3" name="Picture 2"/>
           <p:cNvPicPr>
             <a:picLocks noChangeAspect="1"/>
           </p:cNvPicPr>
@@ -6813,8 +6929,8 @@
         </p:blipFill>
         <p:spPr>
           <a:xfrm>
-            <a:off x="307975" y="1425726"/>
-            <a:ext cx="11469722" cy="2030506"/>
+            <a:off x="811369" y="870967"/>
+            <a:ext cx="9725398" cy="5987033"/>
           </a:xfrm>
           <a:prstGeom prst="rect">
             <a:avLst/>
@@ -6823,14 +6939,14 @@
       </p:pic>
       <p:sp>
         <p:nvSpPr>
-          <p:cNvPr id="9" name="TextBox 8"/>
+          <p:cNvPr id="6" name="TextBox 5"/>
           <p:cNvSpPr txBox="1"/>
           <p:nvPr/>
         </p:nvSpPr>
         <p:spPr>
           <a:xfrm>
-            <a:off x="460375" y="4182035"/>
-            <a:ext cx="10283825" cy="646331"/>
+            <a:off x="460375" y="160338"/>
+            <a:ext cx="9826625" cy="584775"/>
           </a:xfrm>
           <a:prstGeom prst="rect">
             <a:avLst/>
@@ -6844,28 +6960,17 @@
           <a:lstStyle/>
           <a:p>
             <a:r>
-              <a:rPr lang="en-US" dirty="0">
-                <a:hlinkClick r:id="rId3"/>
-              </a:rPr>
-              <a:t>https://</a:t>
-            </a:r>
-            <a:r>
-              <a:rPr lang="en-US" dirty="0" smtClean="0">
-                <a:hlinkClick r:id="rId3"/>
-              </a:rPr>
-              <a:t>docs.oracle.com/javase/tutorial/java/data/numberclasses.html</a:t>
-            </a:r>
-            <a:endParaRPr lang="en-US" dirty="0" smtClean="0"/>
-          </a:p>
-          <a:p>
-            <a:endParaRPr lang="en-US" dirty="0"/>
+              <a:rPr lang="en-US" sz="3200" b="1" dirty="0" smtClean="0"/>
+              <a:t>Methods implemented by all subclasses of Number</a:t>
+            </a:r>
+            <a:endParaRPr lang="en-US" sz="3200" b="1" dirty="0"/>
           </a:p>
         </p:txBody>
       </p:sp>
     </p:spTree>
     <p:extLst>
       <p:ext uri="{BB962C8B-B14F-4D97-AF65-F5344CB8AC3E}">
-        <p14:creationId xmlns:p14="http://schemas.microsoft.com/office/powerpoint/2010/main" val="2778806592"/>
+        <p14:creationId xmlns:p14="http://schemas.microsoft.com/office/powerpoint/2010/main" val="3384401810"/>
       </p:ext>
     </p:extLst>
   </p:cSld>
@@ -7015,14 +7120,14 @@
       </p:sp>
       <p:sp>
         <p:nvSpPr>
-          <p:cNvPr id="3" name="TextBox 2"/>
+          <p:cNvPr id="6" name="TextBox 5"/>
           <p:cNvSpPr txBox="1"/>
           <p:nvPr/>
         </p:nvSpPr>
         <p:spPr>
           <a:xfrm>
-            <a:off x="336176" y="284176"/>
-            <a:ext cx="10892118" cy="6801862"/>
+            <a:off x="460375" y="160338"/>
+            <a:ext cx="9826625" cy="584775"/>
           </a:xfrm>
           <a:prstGeom prst="rect">
             <a:avLst/>
@@ -7036,396 +7141,82 @@
           <a:lstStyle/>
           <a:p>
             <a:r>
-              <a:rPr lang="en-US" sz="3200" b="1" u="sng" dirty="0"/>
-              <a:t>Formatting Numeric Print </a:t>
-            </a:r>
-            <a:r>
-              <a:rPr lang="en-US" sz="3200" b="1" u="sng" dirty="0" smtClean="0"/>
-              <a:t>Output</a:t>
-            </a:r>
-          </a:p>
-          <a:p>
-            <a:pPr marL="342900" indent="-342900">
-              <a:buFont typeface="Arial" panose="020B0604020202020204" pitchFamily="34" charset="0"/>
-              <a:buChar char="•"/>
-            </a:pPr>
-            <a:r>
-              <a:rPr lang="en-US" sz="2400" dirty="0" err="1"/>
-              <a:t>System.out</a:t>
-            </a:r>
-            <a:r>
-              <a:rPr lang="en-US" sz="2400" dirty="0"/>
-              <a:t> that you have been using happens to be a </a:t>
-            </a:r>
-            <a:r>
-              <a:rPr lang="en-US" sz="2400" dirty="0" err="1"/>
-              <a:t>PrintStream</a:t>
-            </a:r>
-            <a:r>
-              <a:rPr lang="en-US" sz="2400" dirty="0"/>
-              <a:t> </a:t>
-            </a:r>
-            <a:r>
-              <a:rPr lang="en-US" sz="2400" dirty="0" smtClean="0"/>
-              <a:t>object.</a:t>
-            </a:r>
-          </a:p>
-          <a:p>
-            <a:pPr marL="342900" indent="-342900">
-              <a:buFont typeface="Arial" panose="020B0604020202020204" pitchFamily="34" charset="0"/>
-              <a:buChar char="•"/>
-            </a:pPr>
-            <a:r>
-              <a:rPr lang="en-US" sz="2400" dirty="0"/>
-              <a:t>[</a:t>
-            </a:r>
-            <a:r>
-              <a:rPr lang="en-US" sz="2400" dirty="0" err="1"/>
-              <a:t>java.io.PrintStream</a:t>
-            </a:r>
-            <a:r>
-              <a:rPr lang="en-US" sz="2400" dirty="0" smtClean="0"/>
-              <a:t>] public </a:t>
-            </a:r>
-            <a:r>
-              <a:rPr lang="en-US" sz="2400" dirty="0" err="1"/>
-              <a:t>PrintStream</a:t>
-            </a:r>
-            <a:r>
-              <a:rPr lang="en-US" sz="2400" dirty="0"/>
-              <a:t> format(String format, Object... </a:t>
-            </a:r>
-            <a:r>
-              <a:rPr lang="en-US" sz="2400" dirty="0" err="1"/>
-              <a:t>args</a:t>
-            </a:r>
-            <a:r>
-              <a:rPr lang="en-US" sz="2400" dirty="0"/>
-              <a:t>)</a:t>
-            </a:r>
-            <a:endParaRPr lang="en-US" sz="2400" dirty="0" smtClean="0"/>
-          </a:p>
-          <a:p>
-            <a:pPr marL="342900" indent="-342900">
-              <a:buFont typeface="Arial" panose="020B0604020202020204" pitchFamily="34" charset="0"/>
-              <a:buChar char="•"/>
-            </a:pPr>
-            <a:r>
-              <a:rPr lang="en-US" sz="2400" dirty="0" smtClean="0"/>
-              <a:t>Ex:</a:t>
-            </a:r>
-          </a:p>
-          <a:p>
-            <a:pPr lvl="4"/>
-            <a:r>
-              <a:rPr lang="en-US" sz="2400" dirty="0" err="1" smtClean="0">
-                <a:solidFill>
-                  <a:schemeClr val="accent6">
-                    <a:lumMod val="75000"/>
-                  </a:schemeClr>
-                </a:solidFill>
-              </a:rPr>
-              <a:t>System.out.format</a:t>
-            </a:r>
-            <a:r>
-              <a:rPr lang="en-US" sz="2400" dirty="0" smtClean="0">
-                <a:solidFill>
-                  <a:schemeClr val="accent6">
-                    <a:lumMod val="75000"/>
-                  </a:schemeClr>
-                </a:solidFill>
-              </a:rPr>
-              <a:t>("The value of " + "the float variable is " +</a:t>
-            </a:r>
-          </a:p>
-          <a:p>
-            <a:pPr lvl="4"/>
-            <a:r>
-              <a:rPr lang="en-US" sz="2400" dirty="0" smtClean="0">
-                <a:solidFill>
-                  <a:schemeClr val="accent6">
-                    <a:lumMod val="75000"/>
-                  </a:schemeClr>
-                </a:solidFill>
-              </a:rPr>
-              <a:t>     "%f, while the value of the " + "integer variable is %d, " +</a:t>
-            </a:r>
-          </a:p>
-          <a:p>
-            <a:pPr lvl="4"/>
-            <a:r>
-              <a:rPr lang="en-US" sz="2400" dirty="0" smtClean="0">
-                <a:solidFill>
-                  <a:schemeClr val="accent6">
-                    <a:lumMod val="75000"/>
-                  </a:schemeClr>
-                </a:solidFill>
-              </a:rPr>
-              <a:t>     "and the string is %s", </a:t>
-            </a:r>
-            <a:r>
-              <a:rPr lang="en-US" sz="2400" dirty="0" err="1" smtClean="0">
-                <a:solidFill>
-                  <a:schemeClr val="accent6">
-                    <a:lumMod val="75000"/>
-                  </a:schemeClr>
-                </a:solidFill>
-              </a:rPr>
-              <a:t>floatVar</a:t>
-            </a:r>
-            <a:r>
-              <a:rPr lang="en-US" sz="2400" dirty="0" smtClean="0">
-                <a:solidFill>
-                  <a:schemeClr val="accent6">
-                    <a:lumMod val="75000"/>
-                  </a:schemeClr>
-                </a:solidFill>
-              </a:rPr>
-              <a:t>, </a:t>
-            </a:r>
-            <a:r>
-              <a:rPr lang="en-US" sz="2400" dirty="0" err="1" smtClean="0">
-                <a:solidFill>
-                  <a:schemeClr val="accent6">
-                    <a:lumMod val="75000"/>
-                  </a:schemeClr>
-                </a:solidFill>
-              </a:rPr>
-              <a:t>intVar</a:t>
-            </a:r>
-            <a:r>
-              <a:rPr lang="en-US" sz="2400" dirty="0" smtClean="0">
-                <a:solidFill>
-                  <a:schemeClr val="accent6">
-                    <a:lumMod val="75000"/>
-                  </a:schemeClr>
-                </a:solidFill>
-              </a:rPr>
-              <a:t>, </a:t>
-            </a:r>
-            <a:r>
-              <a:rPr lang="en-US" sz="2400" dirty="0" err="1" smtClean="0">
-                <a:solidFill>
-                  <a:schemeClr val="accent6">
-                    <a:lumMod val="75000"/>
-                  </a:schemeClr>
-                </a:solidFill>
-              </a:rPr>
-              <a:t>stringVar</a:t>
-            </a:r>
-            <a:r>
-              <a:rPr lang="en-US" sz="2400" dirty="0" smtClean="0">
-                <a:solidFill>
-                  <a:schemeClr val="accent6">
-                    <a:lumMod val="75000"/>
-                  </a:schemeClr>
-                </a:solidFill>
-              </a:rPr>
-              <a:t>);</a:t>
-            </a:r>
-          </a:p>
-          <a:p>
-            <a:pPr lvl="4"/>
-            <a:r>
-              <a:rPr lang="en-US" sz="2400" dirty="0" smtClean="0"/>
-              <a:t>To </a:t>
-            </a:r>
-            <a:r>
-              <a:rPr lang="en-US" sz="2400" dirty="0"/>
-              <a:t>print numbers in the French system (where a comma is used in place of the decimal place in the English representation of floating point numbers), for example, you would use:</a:t>
-            </a:r>
-          </a:p>
-          <a:p>
-            <a:pPr lvl="4"/>
-            <a:r>
-              <a:rPr lang="en-US" sz="2400" dirty="0" err="1" smtClean="0">
-                <a:solidFill>
-                  <a:schemeClr val="accent6">
-                    <a:lumMod val="75000"/>
-                  </a:schemeClr>
-                </a:solidFill>
-              </a:rPr>
-              <a:t>System.out.format</a:t>
-            </a:r>
-            <a:r>
-              <a:rPr lang="en-US" sz="2400" dirty="0" smtClean="0">
-                <a:solidFill>
-                  <a:schemeClr val="accent6">
-                    <a:lumMod val="75000"/>
-                  </a:schemeClr>
-                </a:solidFill>
-              </a:rPr>
-              <a:t>(</a:t>
-            </a:r>
-            <a:r>
-              <a:rPr lang="en-US" sz="2400" b="1" dirty="0" err="1" smtClean="0">
-                <a:solidFill>
-                  <a:schemeClr val="accent6">
-                    <a:lumMod val="75000"/>
-                  </a:schemeClr>
-                </a:solidFill>
-              </a:rPr>
-              <a:t>Locale.FRANCE</a:t>
-            </a:r>
-            <a:r>
-              <a:rPr lang="en-US" sz="2400" dirty="0">
-                <a:solidFill>
-                  <a:schemeClr val="accent6">
-                    <a:lumMod val="75000"/>
-                  </a:schemeClr>
-                </a:solidFill>
-              </a:rPr>
-              <a:t>,</a:t>
-            </a:r>
-          </a:p>
-          <a:p>
-            <a:pPr lvl="4"/>
-            <a:r>
-              <a:rPr lang="en-US" sz="2400" dirty="0">
-                <a:solidFill>
-                  <a:schemeClr val="accent6">
-                    <a:lumMod val="75000"/>
-                  </a:schemeClr>
-                </a:solidFill>
-              </a:rPr>
-              <a:t>    "The value of the float " + "variable is %f, while the " +</a:t>
-            </a:r>
-          </a:p>
-          <a:p>
-            <a:pPr lvl="4"/>
-            <a:r>
-              <a:rPr lang="en-US" sz="2400" dirty="0">
-                <a:solidFill>
-                  <a:schemeClr val="accent6">
-                    <a:lumMod val="75000"/>
-                  </a:schemeClr>
-                </a:solidFill>
-              </a:rPr>
-              <a:t>    "value of the integer variable " + "is %d, and the string is %</a:t>
-            </a:r>
-            <a:r>
-              <a:rPr lang="en-US" sz="2400" dirty="0" err="1">
-                <a:solidFill>
-                  <a:schemeClr val="accent6">
-                    <a:lumMod val="75000"/>
-                  </a:schemeClr>
-                </a:solidFill>
-              </a:rPr>
-              <a:t>s%n</a:t>
-            </a:r>
-            <a:r>
-              <a:rPr lang="en-US" sz="2400" dirty="0">
-                <a:solidFill>
-                  <a:schemeClr val="accent6">
-                    <a:lumMod val="75000"/>
-                  </a:schemeClr>
-                </a:solidFill>
-              </a:rPr>
-              <a:t>", </a:t>
-            </a:r>
-          </a:p>
-          <a:p>
-            <a:pPr lvl="4"/>
-            <a:r>
-              <a:rPr lang="en-US" sz="2400" dirty="0">
-                <a:solidFill>
-                  <a:schemeClr val="accent6">
-                    <a:lumMod val="75000"/>
-                  </a:schemeClr>
-                </a:solidFill>
-              </a:rPr>
-              <a:t>    </a:t>
-            </a:r>
-            <a:r>
-              <a:rPr lang="en-US" sz="2400" dirty="0" err="1">
-                <a:solidFill>
-                  <a:schemeClr val="accent6">
-                    <a:lumMod val="75000"/>
-                  </a:schemeClr>
-                </a:solidFill>
-              </a:rPr>
-              <a:t>floatVar</a:t>
-            </a:r>
-            <a:r>
-              <a:rPr lang="en-US" sz="2400" dirty="0">
-                <a:solidFill>
-                  <a:schemeClr val="accent6">
-                    <a:lumMod val="75000"/>
-                  </a:schemeClr>
-                </a:solidFill>
-              </a:rPr>
-              <a:t>, </a:t>
-            </a:r>
-            <a:r>
-              <a:rPr lang="en-US" sz="2400" dirty="0" err="1">
-                <a:solidFill>
-                  <a:schemeClr val="accent6">
-                    <a:lumMod val="75000"/>
-                  </a:schemeClr>
-                </a:solidFill>
-              </a:rPr>
-              <a:t>intVar</a:t>
-            </a:r>
-            <a:r>
-              <a:rPr lang="en-US" sz="2400" dirty="0">
-                <a:solidFill>
-                  <a:schemeClr val="accent6">
-                    <a:lumMod val="75000"/>
-                  </a:schemeClr>
-                </a:solidFill>
-              </a:rPr>
-              <a:t>, </a:t>
-            </a:r>
-            <a:r>
-              <a:rPr lang="en-US" sz="2400" dirty="0" err="1">
-                <a:solidFill>
-                  <a:schemeClr val="accent6">
-                    <a:lumMod val="75000"/>
-                  </a:schemeClr>
-                </a:solidFill>
-              </a:rPr>
-              <a:t>stringVar</a:t>
-            </a:r>
-            <a:r>
-              <a:rPr lang="en-US" sz="2400" dirty="0">
-                <a:solidFill>
-                  <a:schemeClr val="accent6">
-                    <a:lumMod val="75000"/>
-                  </a:schemeClr>
-                </a:solidFill>
-              </a:rPr>
-              <a:t>); </a:t>
-            </a:r>
-            <a:endParaRPr lang="en-US" sz="2400" dirty="0" smtClean="0">
-              <a:solidFill>
-                <a:schemeClr val="accent6">
-                  <a:lumMod val="75000"/>
-                </a:schemeClr>
-              </a:solidFill>
-            </a:endParaRPr>
-          </a:p>
-          <a:p>
-            <a:endParaRPr lang="en-US" sz="2400" b="1" dirty="0" smtClean="0"/>
-          </a:p>
-          <a:p>
-            <a:r>
-              <a:rPr lang="en-US" sz="2400" b="1" dirty="0"/>
-              <a:t>Lab17.1: Demonstration of using Number formatter:</a:t>
-            </a:r>
-            <a:endParaRPr lang="en-US" sz="2400" b="1" dirty="0" smtClean="0"/>
-          </a:p>
-          <a:p>
-            <a:endParaRPr lang="en-US" sz="2400" b="1" dirty="0"/>
-          </a:p>
-          <a:p>
-            <a:endParaRPr lang="en-US" sz="2400" b="1" dirty="0"/>
+              <a:rPr lang="en-US" sz="3200" b="1" dirty="0" smtClean="0"/>
+              <a:t>Methods implemented by all subclasses of Number……</a:t>
+            </a:r>
+            <a:endParaRPr lang="en-US" sz="3200" b="1" dirty="0"/>
+          </a:p>
+        </p:txBody>
+      </p:sp>
+      <p:pic>
+        <p:nvPicPr>
+          <p:cNvPr id="7" name="Picture 6"/>
+          <p:cNvPicPr>
+            <a:picLocks noChangeAspect="1"/>
+          </p:cNvPicPr>
+          <p:nvPr/>
+        </p:nvPicPr>
+        <p:blipFill>
+          <a:blip r:embed="rId2"/>
+          <a:stretch>
+            <a:fillRect/>
+          </a:stretch>
+        </p:blipFill>
+        <p:spPr>
+          <a:xfrm>
+            <a:off x="307975" y="1425726"/>
+            <a:ext cx="11469722" cy="2030506"/>
+          </a:xfrm>
+          <a:prstGeom prst="rect">
+            <a:avLst/>
+          </a:prstGeom>
+        </p:spPr>
+      </p:pic>
+      <p:sp>
+        <p:nvSpPr>
+          <p:cNvPr id="9" name="TextBox 8"/>
+          <p:cNvSpPr txBox="1"/>
+          <p:nvPr/>
+        </p:nvSpPr>
+        <p:spPr>
+          <a:xfrm>
+            <a:off x="460375" y="4182035"/>
+            <a:ext cx="10283825" cy="646331"/>
+          </a:xfrm>
+          <a:prstGeom prst="rect">
+            <a:avLst/>
+          </a:prstGeom>
+          <a:noFill/>
+        </p:spPr>
+        <p:txBody>
+          <a:bodyPr wrap="square" rtlCol="0">
+            <a:spAutoFit/>
+          </a:bodyPr>
+          <a:lstStyle/>
+          <a:p>
+            <a:r>
+              <a:rPr lang="en-US" dirty="0">
+                <a:hlinkClick r:id="rId3"/>
+              </a:rPr>
+              <a:t>https://</a:t>
+            </a:r>
+            <a:r>
+              <a:rPr lang="en-US" dirty="0" smtClean="0">
+                <a:hlinkClick r:id="rId3"/>
+              </a:rPr>
+              <a:t>docs.oracle.com/javase/tutorial/java/data/numberclasses.html</a:t>
+            </a:r>
+            <a:endParaRPr lang="en-US" dirty="0" smtClean="0"/>
+          </a:p>
+          <a:p>
+            <a:endParaRPr lang="en-US" dirty="0"/>
           </a:p>
         </p:txBody>
       </p:sp>
     </p:spTree>
     <p:extLst>
       <p:ext uri="{BB962C8B-B14F-4D97-AF65-F5344CB8AC3E}">
-        <p14:creationId xmlns:p14="http://schemas.microsoft.com/office/powerpoint/2010/main" val="4246136043"/>
+        <p14:creationId xmlns:p14="http://schemas.microsoft.com/office/powerpoint/2010/main" val="2778806592"/>
       </p:ext>
     </p:extLst>
   </p:cSld>
@@ -7582,7 +7373,7 @@
         <p:spPr>
           <a:xfrm>
             <a:off x="336176" y="284176"/>
-            <a:ext cx="8633012" cy="5940088"/>
+            <a:ext cx="10892118" cy="6801862"/>
           </a:xfrm>
           <a:prstGeom prst="rect">
             <a:avLst/>
@@ -7596,129 +7387,366 @@
           <a:lstStyle/>
           <a:p>
             <a:r>
-              <a:rPr lang="en-US" sz="3600" b="1" u="sng" dirty="0"/>
+              <a:rPr lang="en-US" sz="3200" b="1" u="sng" dirty="0"/>
               <a:t>Formatting Numeric Print </a:t>
             </a:r>
             <a:r>
-              <a:rPr lang="en-US" sz="3600" b="1" u="sng" dirty="0" smtClean="0"/>
-              <a:t>Output………</a:t>
-            </a:r>
-          </a:p>
-          <a:p>
-            <a:r>
-              <a:rPr lang="en-US" sz="3200" dirty="0"/>
-              <a:t>Use </a:t>
-            </a:r>
-            <a:r>
-              <a:rPr lang="en-US" sz="3200" dirty="0" err="1" smtClean="0"/>
-              <a:t>java.text.DecimalFormat</a:t>
-            </a:r>
-            <a:r>
-              <a:rPr lang="en-US" sz="3200" dirty="0" smtClean="0"/>
-              <a:t> class</a:t>
-            </a:r>
-          </a:p>
-          <a:p>
-            <a:pPr marL="457200" indent="-457200">
+              <a:rPr lang="en-US" sz="3200" b="1" u="sng" dirty="0" smtClean="0"/>
+              <a:t>Output</a:t>
+            </a:r>
+          </a:p>
+          <a:p>
+            <a:pPr marL="342900" indent="-342900">
               <a:buFont typeface="Arial" panose="020B0604020202020204" pitchFamily="34" charset="0"/>
               <a:buChar char="•"/>
             </a:pPr>
             <a:r>
+              <a:rPr lang="en-US" sz="2400" dirty="0" err="1"/>
+              <a:t>System.out</a:t>
+            </a:r>
+            <a:r>
+              <a:rPr lang="en-US" sz="2400" dirty="0"/>
+              <a:t> that you have been using happens to be a </a:t>
+            </a:r>
+            <a:r>
+              <a:rPr lang="en-US" sz="2400" dirty="0" err="1"/>
+              <a:t>PrintStream</a:t>
+            </a:r>
+            <a:r>
+              <a:rPr lang="en-US" sz="2400" dirty="0"/>
+              <a:t> </a:t>
+            </a:r>
+            <a:r>
               <a:rPr lang="en-US" sz="2400" dirty="0" smtClean="0"/>
-              <a:t>To </a:t>
-            </a:r>
-            <a:r>
-              <a:rPr lang="en-US" sz="2400" dirty="0"/>
-              <a:t>control the </a:t>
-            </a:r>
-            <a:r>
-              <a:rPr lang="en-US" sz="2400" dirty="0" smtClean="0"/>
-              <a:t>display </a:t>
-            </a:r>
-            <a:r>
-              <a:rPr lang="en-US" sz="2400" dirty="0"/>
-              <a:t>of leading and trailing </a:t>
-            </a:r>
-            <a:r>
-              <a:rPr lang="en-US" sz="2400" dirty="0" smtClean="0"/>
-              <a:t>zeros.</a:t>
-            </a:r>
-          </a:p>
-          <a:p>
-            <a:pPr marL="457200" indent="-457200">
+              <a:t>object.</a:t>
+            </a:r>
+          </a:p>
+          <a:p>
+            <a:pPr marL="342900" indent="-342900">
               <a:buFont typeface="Arial" panose="020B0604020202020204" pitchFamily="34" charset="0"/>
               <a:buChar char="•"/>
             </a:pPr>
             <a:r>
               <a:rPr lang="en-US" sz="2400" dirty="0"/>
-              <a:t>prefixes and </a:t>
+              <a:t>[</a:t>
+            </a:r>
+            <a:r>
+              <a:rPr lang="en-US" sz="2400" dirty="0" err="1"/>
+              <a:t>java.io.PrintStream</a:t>
             </a:r>
             <a:r>
               <a:rPr lang="en-US" sz="2400" dirty="0" smtClean="0"/>
-              <a:t>suffixes.</a:t>
-            </a:r>
-          </a:p>
-          <a:p>
-            <a:pPr marL="457200" indent="-457200">
+              <a:t>] public </a:t>
+            </a:r>
+            <a:r>
+              <a:rPr lang="en-US" sz="2400" dirty="0" err="1"/>
+              <a:t>PrintStream</a:t>
+            </a:r>
+            <a:r>
+              <a:rPr lang="en-US" sz="2400" dirty="0"/>
+              <a:t> format(String format, Object... </a:t>
+            </a:r>
+            <a:r>
+              <a:rPr lang="en-US" sz="2400" dirty="0" err="1"/>
+              <a:t>args</a:t>
+            </a:r>
+            <a:r>
+              <a:rPr lang="en-US" sz="2400" dirty="0"/>
+              <a:t>)</a:t>
+            </a:r>
+            <a:endParaRPr lang="en-US" sz="2400" dirty="0" smtClean="0"/>
+          </a:p>
+          <a:p>
+            <a:pPr marL="342900" indent="-342900">
               <a:buFont typeface="Arial" panose="020B0604020202020204" pitchFamily="34" charset="0"/>
               <a:buChar char="•"/>
             </a:pPr>
             <a:r>
               <a:rPr lang="en-US" sz="2400" dirty="0" smtClean="0"/>
-              <a:t>Grouping </a:t>
-            </a:r>
-            <a:r>
-              <a:rPr lang="en-US" sz="2400" dirty="0"/>
-              <a:t>(thousands) separators, and the decimal </a:t>
-            </a:r>
-            <a:r>
-              <a:rPr lang="en-US" sz="2400" dirty="0" smtClean="0"/>
-              <a:t>separator.</a:t>
-            </a:r>
-          </a:p>
-          <a:p>
-            <a:r>
-              <a:rPr lang="en-US" sz="3200" dirty="0" smtClean="0">
+              <a:t>Ex:</a:t>
+            </a:r>
+          </a:p>
+          <a:p>
+            <a:pPr lvl="4"/>
+            <a:r>
+              <a:rPr lang="en-US" sz="2400" dirty="0" err="1" smtClean="0">
                 <a:solidFill>
                   <a:schemeClr val="accent6">
                     <a:lumMod val="75000"/>
                   </a:schemeClr>
                 </a:solidFill>
               </a:rPr>
-              <a:t>	</a:t>
-            </a:r>
-            <a:r>
-              <a:rPr lang="en-US" sz="2800" dirty="0" err="1" smtClean="0">
+              <a:t>System.out.format</a:t>
+            </a:r>
+            <a:r>
+              <a:rPr lang="en-US" sz="2400" dirty="0" smtClean="0">
                 <a:solidFill>
                   <a:schemeClr val="accent6">
                     <a:lumMod val="75000"/>
                   </a:schemeClr>
                 </a:solidFill>
               </a:rPr>
-              <a:t>customFormat</a:t>
-            </a:r>
-            <a:r>
-              <a:rPr lang="en-US" sz="2800" dirty="0">
+              <a:t>("The value of " + "the float variable is " +</a:t>
+            </a:r>
+          </a:p>
+          <a:p>
+            <a:pPr lvl="4"/>
+            <a:r>
+              <a:rPr lang="en-US" sz="2400" dirty="0" smtClean="0">
                 <a:solidFill>
                   <a:schemeClr val="accent6">
                     <a:lumMod val="75000"/>
                   </a:schemeClr>
                 </a:solidFill>
               </a:rPr>
-              <a:t>("###,###.###", 123456.789</a:t>
-            </a:r>
-            <a:r>
-              <a:rPr lang="en-US" sz="2800" dirty="0" smtClean="0">
+              <a:t>     "%f, while the value of the " + "integer variable is %d, " +</a:t>
+            </a:r>
+          </a:p>
+          <a:p>
+            <a:pPr lvl="4"/>
+            <a:r>
+              <a:rPr lang="en-US" sz="2400" dirty="0" smtClean="0">
                 <a:solidFill>
                   <a:schemeClr val="accent6">
                     <a:lumMod val="75000"/>
                   </a:schemeClr>
                 </a:solidFill>
               </a:rPr>
+              <a:t>     "and the string is %s", </a:t>
+            </a:r>
+            <a:r>
+              <a:rPr lang="en-US" sz="2400" dirty="0" err="1" smtClean="0">
+                <a:solidFill>
+                  <a:schemeClr val="accent6">
+                    <a:lumMod val="75000"/>
+                  </a:schemeClr>
+                </a:solidFill>
+              </a:rPr>
+              <a:t>floatVar</a:t>
+            </a:r>
+            <a:r>
+              <a:rPr lang="en-US" sz="2400" dirty="0" smtClean="0">
+                <a:solidFill>
+                  <a:schemeClr val="accent6">
+                    <a:lumMod val="75000"/>
+                  </a:schemeClr>
+                </a:solidFill>
+              </a:rPr>
+              <a:t>, </a:t>
+            </a:r>
+            <a:r>
+              <a:rPr lang="en-US" sz="2400" dirty="0" err="1" smtClean="0">
+                <a:solidFill>
+                  <a:schemeClr val="accent6">
+                    <a:lumMod val="75000"/>
+                  </a:schemeClr>
+                </a:solidFill>
+              </a:rPr>
+              <a:t>intVar</a:t>
+            </a:r>
+            <a:r>
+              <a:rPr lang="en-US" sz="2400" dirty="0" smtClean="0">
+                <a:solidFill>
+                  <a:schemeClr val="accent6">
+                    <a:lumMod val="75000"/>
+                  </a:schemeClr>
+                </a:solidFill>
+              </a:rPr>
+              <a:t>, </a:t>
+            </a:r>
+            <a:r>
+              <a:rPr lang="en-US" sz="2400" dirty="0" err="1" smtClean="0">
+                <a:solidFill>
+                  <a:schemeClr val="accent6">
+                    <a:lumMod val="75000"/>
+                  </a:schemeClr>
+                </a:solidFill>
+              </a:rPr>
+              <a:t>stringVar</a:t>
+            </a:r>
+            <a:r>
+              <a:rPr lang="en-US" sz="2400" dirty="0" smtClean="0">
+                <a:solidFill>
+                  <a:schemeClr val="accent6">
+                    <a:lumMod val="75000"/>
+                  </a:schemeClr>
+                </a:solidFill>
+              </a:rPr>
               <a:t>);</a:t>
             </a:r>
           </a:p>
           <a:p>
+            <a:pPr lvl="4"/>
+            <a:r>
+              <a:rPr lang="en-US" sz="2400" dirty="0" smtClean="0"/>
+              <a:t>To </a:t>
+            </a:r>
+            <a:r>
+              <a:rPr lang="en-US" sz="2400" dirty="0"/>
+              <a:t>print numbers in the French system (where a comma is used in place of the decimal place in the English representation of floating point numbers), for example, you would use:</a:t>
+            </a:r>
+          </a:p>
+          <a:p>
+            <a:pPr lvl="4"/>
+            <a:r>
+              <a:rPr lang="en-US" sz="2400" dirty="0" err="1" smtClean="0">
+                <a:solidFill>
+                  <a:schemeClr val="accent6">
+                    <a:lumMod val="75000"/>
+                  </a:schemeClr>
+                </a:solidFill>
+              </a:rPr>
+              <a:t>System.out.format</a:t>
+            </a:r>
+            <a:r>
+              <a:rPr lang="en-US" sz="2400" dirty="0" smtClean="0">
+                <a:solidFill>
+                  <a:schemeClr val="accent6">
+                    <a:lumMod val="75000"/>
+                  </a:schemeClr>
+                </a:solidFill>
+              </a:rPr>
+              <a:t>(</a:t>
+            </a:r>
+            <a:r>
+              <a:rPr lang="en-US" sz="2400" b="1" dirty="0" err="1" smtClean="0">
+                <a:solidFill>
+                  <a:schemeClr val="accent6">
+                    <a:lumMod val="75000"/>
+                  </a:schemeClr>
+                </a:solidFill>
+              </a:rPr>
+              <a:t>Locale.FRANCE</a:t>
+            </a:r>
+            <a:r>
+              <a:rPr lang="en-US" sz="2400" dirty="0">
+                <a:solidFill>
+                  <a:schemeClr val="accent6">
+                    <a:lumMod val="75000"/>
+                  </a:schemeClr>
+                </a:solidFill>
+              </a:rPr>
+              <a:t>,</a:t>
+            </a:r>
+          </a:p>
+          <a:p>
+            <a:pPr lvl="4"/>
+            <a:r>
+              <a:rPr lang="en-US" sz="2400" dirty="0">
+                <a:solidFill>
+                  <a:schemeClr val="accent6">
+                    <a:lumMod val="75000"/>
+                  </a:schemeClr>
+                </a:solidFill>
+              </a:rPr>
+              <a:t>    "The value of the float " + "variable is %f, while the " +</a:t>
+            </a:r>
+          </a:p>
+          <a:p>
+            <a:pPr lvl="4"/>
+            <a:r>
+              <a:rPr lang="en-US" sz="2400" dirty="0">
+                <a:solidFill>
+                  <a:schemeClr val="accent6">
+                    <a:lumMod val="75000"/>
+                  </a:schemeClr>
+                </a:solidFill>
+              </a:rPr>
+              <a:t>    "value of the integer variable " + "is %d, and the string is %</a:t>
+            </a:r>
+            <a:r>
+              <a:rPr lang="en-US" sz="2400" dirty="0" err="1">
+                <a:solidFill>
+                  <a:schemeClr val="accent6">
+                    <a:lumMod val="75000"/>
+                  </a:schemeClr>
+                </a:solidFill>
+              </a:rPr>
+              <a:t>s%n</a:t>
+            </a:r>
+            <a:r>
+              <a:rPr lang="en-US" sz="2400" dirty="0">
+                <a:solidFill>
+                  <a:schemeClr val="accent6">
+                    <a:lumMod val="75000"/>
+                  </a:schemeClr>
+                </a:solidFill>
+              </a:rPr>
+              <a:t>", </a:t>
+            </a:r>
+          </a:p>
+          <a:p>
+            <a:pPr lvl="4"/>
+            <a:r>
+              <a:rPr lang="en-US" sz="2400" dirty="0">
+                <a:solidFill>
+                  <a:schemeClr val="accent6">
+                    <a:lumMod val="75000"/>
+                  </a:schemeClr>
+                </a:solidFill>
+              </a:rPr>
+              <a:t>    </a:t>
+            </a:r>
+            <a:r>
+              <a:rPr lang="en-US" sz="2400" dirty="0" err="1">
+                <a:solidFill>
+                  <a:schemeClr val="accent6">
+                    <a:lumMod val="75000"/>
+                  </a:schemeClr>
+                </a:solidFill>
+              </a:rPr>
+              <a:t>floatVar</a:t>
+            </a:r>
+            <a:r>
+              <a:rPr lang="en-US" sz="2400" dirty="0">
+                <a:solidFill>
+                  <a:schemeClr val="accent6">
+                    <a:lumMod val="75000"/>
+                  </a:schemeClr>
+                </a:solidFill>
+              </a:rPr>
+              <a:t>, </a:t>
+            </a:r>
+            <a:r>
+              <a:rPr lang="en-US" sz="2400" dirty="0" err="1">
+                <a:solidFill>
+                  <a:schemeClr val="accent6">
+                    <a:lumMod val="75000"/>
+                  </a:schemeClr>
+                </a:solidFill>
+              </a:rPr>
+              <a:t>intVar</a:t>
+            </a:r>
+            <a:r>
+              <a:rPr lang="en-US" sz="2400" dirty="0">
+                <a:solidFill>
+                  <a:schemeClr val="accent6">
+                    <a:lumMod val="75000"/>
+                  </a:schemeClr>
+                </a:solidFill>
+              </a:rPr>
+              <a:t>, </a:t>
+            </a:r>
+            <a:r>
+              <a:rPr lang="en-US" sz="2400" dirty="0" err="1">
+                <a:solidFill>
+                  <a:schemeClr val="accent6">
+                    <a:lumMod val="75000"/>
+                  </a:schemeClr>
+                </a:solidFill>
+              </a:rPr>
+              <a:t>stringVar</a:t>
+            </a:r>
+            <a:r>
+              <a:rPr lang="en-US" sz="2400" dirty="0">
+                <a:solidFill>
+                  <a:schemeClr val="accent6">
+                    <a:lumMod val="75000"/>
+                  </a:schemeClr>
+                </a:solidFill>
+              </a:rPr>
+              <a:t>); </a:t>
+            </a:r>
             <a:endParaRPr lang="en-US" sz="2400" dirty="0" smtClean="0">
               <a:solidFill>
                 <a:schemeClr val="accent6">
@@ -7728,242 +7756,27 @@
             </a:endParaRPr>
           </a:p>
           <a:p>
-            <a:r>
-              <a:rPr lang="en-US" sz="2400" dirty="0" smtClean="0">
-                <a:solidFill>
-                  <a:schemeClr val="accent6">
-                    <a:lumMod val="75000"/>
-                  </a:schemeClr>
-                </a:solidFill>
-              </a:rPr>
-              <a:t>static </a:t>
-            </a:r>
-            <a:r>
-              <a:rPr lang="en-US" sz="2400" dirty="0">
-                <a:solidFill>
-                  <a:schemeClr val="accent6">
-                    <a:lumMod val="75000"/>
-                  </a:schemeClr>
-                </a:solidFill>
-              </a:rPr>
-              <a:t>public void </a:t>
-            </a:r>
-            <a:r>
-              <a:rPr lang="en-US" sz="2400" dirty="0" err="1">
-                <a:solidFill>
-                  <a:schemeClr val="accent6">
-                    <a:lumMod val="75000"/>
-                  </a:schemeClr>
-                </a:solidFill>
-              </a:rPr>
-              <a:t>customFormat</a:t>
-            </a:r>
-            <a:r>
-              <a:rPr lang="en-US" sz="2400" dirty="0">
-                <a:solidFill>
-                  <a:schemeClr val="accent6">
-                    <a:lumMod val="75000"/>
-                  </a:schemeClr>
-                </a:solidFill>
-              </a:rPr>
-              <a:t>(String pattern, double value ) {</a:t>
-            </a:r>
-          </a:p>
-          <a:p>
-            <a:r>
-              <a:rPr lang="en-US" sz="2400" dirty="0" smtClean="0">
-                <a:solidFill>
-                  <a:schemeClr val="accent6">
-                    <a:lumMod val="75000"/>
-                  </a:schemeClr>
-                </a:solidFill>
-              </a:rPr>
-              <a:t>      </a:t>
-            </a:r>
-            <a:r>
-              <a:rPr lang="en-US" sz="2400" dirty="0" err="1">
-                <a:solidFill>
-                  <a:schemeClr val="accent6">
-                    <a:lumMod val="75000"/>
-                  </a:schemeClr>
-                </a:solidFill>
-              </a:rPr>
-              <a:t>DecimalFormat</a:t>
-            </a:r>
-            <a:r>
-              <a:rPr lang="en-US" sz="2400" dirty="0">
-                <a:solidFill>
-                  <a:schemeClr val="accent6">
-                    <a:lumMod val="75000"/>
-                  </a:schemeClr>
-                </a:solidFill>
-              </a:rPr>
-              <a:t> </a:t>
-            </a:r>
-            <a:r>
-              <a:rPr lang="en-US" sz="2400" dirty="0" err="1">
-                <a:solidFill>
-                  <a:schemeClr val="accent6">
-                    <a:lumMod val="75000"/>
-                  </a:schemeClr>
-                </a:solidFill>
-              </a:rPr>
-              <a:t>myFormatter</a:t>
-            </a:r>
-            <a:r>
-              <a:rPr lang="en-US" sz="2400" dirty="0">
-                <a:solidFill>
-                  <a:schemeClr val="accent6">
-                    <a:lumMod val="75000"/>
-                  </a:schemeClr>
-                </a:solidFill>
-              </a:rPr>
-              <a:t> = new </a:t>
-            </a:r>
-            <a:r>
-              <a:rPr lang="en-US" sz="2400" dirty="0" err="1">
-                <a:solidFill>
-                  <a:schemeClr val="accent6">
-                    <a:lumMod val="75000"/>
-                  </a:schemeClr>
-                </a:solidFill>
-              </a:rPr>
-              <a:t>DecimalFormat</a:t>
-            </a:r>
-            <a:r>
-              <a:rPr lang="en-US" sz="2400" dirty="0">
-                <a:solidFill>
-                  <a:schemeClr val="accent6">
-                    <a:lumMod val="75000"/>
-                  </a:schemeClr>
-                </a:solidFill>
-              </a:rPr>
-              <a:t>(pattern);</a:t>
-            </a:r>
-          </a:p>
-          <a:p>
-            <a:r>
-              <a:rPr lang="en-US" sz="2400" dirty="0" smtClean="0">
-                <a:solidFill>
-                  <a:schemeClr val="accent6">
-                    <a:lumMod val="75000"/>
-                  </a:schemeClr>
-                </a:solidFill>
-              </a:rPr>
-              <a:t>      </a:t>
-            </a:r>
-            <a:r>
-              <a:rPr lang="en-US" sz="2400" dirty="0">
-                <a:solidFill>
-                  <a:schemeClr val="accent6">
-                    <a:lumMod val="75000"/>
-                  </a:schemeClr>
-                </a:solidFill>
-              </a:rPr>
-              <a:t>String output = </a:t>
-            </a:r>
-            <a:r>
-              <a:rPr lang="en-US" sz="2400" dirty="0" err="1">
-                <a:solidFill>
-                  <a:schemeClr val="accent6">
-                    <a:lumMod val="75000"/>
-                  </a:schemeClr>
-                </a:solidFill>
-              </a:rPr>
-              <a:t>myFormatter.format</a:t>
-            </a:r>
-            <a:r>
-              <a:rPr lang="en-US" sz="2400" dirty="0">
-                <a:solidFill>
-                  <a:schemeClr val="accent6">
-                    <a:lumMod val="75000"/>
-                  </a:schemeClr>
-                </a:solidFill>
-              </a:rPr>
-              <a:t>(value);</a:t>
-            </a:r>
-          </a:p>
-          <a:p>
-            <a:r>
-              <a:rPr lang="en-US" sz="2400" dirty="0" smtClean="0">
-                <a:solidFill>
-                  <a:schemeClr val="accent6">
-                    <a:lumMod val="75000"/>
-                  </a:schemeClr>
-                </a:solidFill>
-              </a:rPr>
-              <a:t>      </a:t>
-            </a:r>
-            <a:r>
-              <a:rPr lang="en-US" sz="2400" dirty="0" err="1">
-                <a:solidFill>
-                  <a:schemeClr val="accent6">
-                    <a:lumMod val="75000"/>
-                  </a:schemeClr>
-                </a:solidFill>
-              </a:rPr>
-              <a:t>System.out.println</a:t>
-            </a:r>
-            <a:r>
-              <a:rPr lang="en-US" sz="2400" dirty="0">
-                <a:solidFill>
-                  <a:schemeClr val="accent6">
-                    <a:lumMod val="75000"/>
-                  </a:schemeClr>
-                </a:solidFill>
-              </a:rPr>
-              <a:t>(value + "  " + pattern + "  " + output);</a:t>
-            </a:r>
-          </a:p>
-          <a:p>
-            <a:r>
-              <a:rPr lang="en-US" sz="2400" dirty="0" smtClean="0">
-                <a:solidFill>
-                  <a:schemeClr val="accent6">
-                    <a:lumMod val="75000"/>
-                  </a:schemeClr>
-                </a:solidFill>
-              </a:rPr>
-              <a:t> }</a:t>
-            </a:r>
-          </a:p>
-          <a:p>
-            <a:r>
-              <a:rPr lang="en-US" sz="3200" b="1" dirty="0"/>
-              <a:t>Lab17.2: Demonstration of using Decimal formatter</a:t>
-            </a:r>
-            <a:endParaRPr lang="en-US" sz="3200" b="1" dirty="0" smtClean="0"/>
-          </a:p>
-        </p:txBody>
-      </p:sp>
-      <p:pic>
-        <p:nvPicPr>
-          <p:cNvPr id="7" name="Picture 6"/>
-          <p:cNvPicPr>
-            <a:picLocks noChangeAspect="1"/>
-          </p:cNvPicPr>
-          <p:nvPr/>
-        </p:nvPicPr>
-        <p:blipFill>
-          <a:blip r:embed="rId2"/>
-          <a:stretch>
-            <a:fillRect/>
-          </a:stretch>
-        </p:blipFill>
-        <p:spPr>
-          <a:xfrm>
-            <a:off x="8559004" y="53270"/>
-            <a:ext cx="3632996" cy="3925266"/>
-          </a:xfrm>
-          <a:prstGeom prst="rect">
-            <a:avLst/>
-          </a:prstGeom>
-        </p:spPr>
-      </p:pic>
+            <a:endParaRPr lang="en-US" sz="2400" b="1" dirty="0" smtClean="0"/>
+          </a:p>
+          <a:p>
+            <a:r>
+              <a:rPr lang="en-US" sz="2400" b="1" dirty="0"/>
+              <a:t>Lab17.1: Demonstration of using Number formatter:</a:t>
+            </a:r>
+            <a:endParaRPr lang="en-US" sz="2400" b="1" dirty="0" smtClean="0"/>
+          </a:p>
+          <a:p>
+            <a:endParaRPr lang="en-US" sz="2400" b="1" dirty="0"/>
+          </a:p>
+          <a:p>
+            <a:endParaRPr lang="en-US" sz="2400" b="1" dirty="0"/>
+          </a:p>
+        </p:txBody>
+      </p:sp>
     </p:spTree>
     <p:extLst>
       <p:ext uri="{BB962C8B-B14F-4D97-AF65-F5344CB8AC3E}">
-        <p14:creationId xmlns:p14="http://schemas.microsoft.com/office/powerpoint/2010/main" val="2869996267"/>
+        <p14:creationId xmlns:p14="http://schemas.microsoft.com/office/powerpoint/2010/main" val="4246136043"/>
       </p:ext>
     </p:extLst>
   </p:cSld>
@@ -8111,6 +7924,369 @@
           </a:p>
         </p:txBody>
       </p:sp>
+      <p:sp>
+        <p:nvSpPr>
+          <p:cNvPr id="3" name="TextBox 2"/>
+          <p:cNvSpPr txBox="1"/>
+          <p:nvPr/>
+        </p:nvSpPr>
+        <p:spPr>
+          <a:xfrm>
+            <a:off x="336176" y="284176"/>
+            <a:ext cx="8633012" cy="5940088"/>
+          </a:xfrm>
+          <a:prstGeom prst="rect">
+            <a:avLst/>
+          </a:prstGeom>
+          <a:noFill/>
+        </p:spPr>
+        <p:txBody>
+          <a:bodyPr wrap="square" rtlCol="0">
+            <a:spAutoFit/>
+          </a:bodyPr>
+          <a:lstStyle/>
+          <a:p>
+            <a:r>
+              <a:rPr lang="en-US" sz="3600" b="1" u="sng" dirty="0"/>
+              <a:t>Formatting Numeric Print </a:t>
+            </a:r>
+            <a:r>
+              <a:rPr lang="en-US" sz="3600" b="1" u="sng" dirty="0" smtClean="0"/>
+              <a:t>Output………</a:t>
+            </a:r>
+          </a:p>
+          <a:p>
+            <a:r>
+              <a:rPr lang="en-US" sz="3200" dirty="0"/>
+              <a:t>Use </a:t>
+            </a:r>
+            <a:r>
+              <a:rPr lang="en-US" sz="3200" dirty="0" err="1" smtClean="0"/>
+              <a:t>java.text.DecimalFormat</a:t>
+            </a:r>
+            <a:r>
+              <a:rPr lang="en-US" sz="3200" dirty="0" smtClean="0"/>
+              <a:t> class</a:t>
+            </a:r>
+          </a:p>
+          <a:p>
+            <a:pPr marL="457200" indent="-457200">
+              <a:buFont typeface="Arial" panose="020B0604020202020204" pitchFamily="34" charset="0"/>
+              <a:buChar char="•"/>
+            </a:pPr>
+            <a:r>
+              <a:rPr lang="en-US" sz="2400" dirty="0" smtClean="0"/>
+              <a:t>To </a:t>
+            </a:r>
+            <a:r>
+              <a:rPr lang="en-US" sz="2400" dirty="0"/>
+              <a:t>control the </a:t>
+            </a:r>
+            <a:r>
+              <a:rPr lang="en-US" sz="2400" dirty="0" smtClean="0"/>
+              <a:t>display </a:t>
+            </a:r>
+            <a:r>
+              <a:rPr lang="en-US" sz="2400" dirty="0"/>
+              <a:t>of leading and trailing </a:t>
+            </a:r>
+            <a:r>
+              <a:rPr lang="en-US" sz="2400" dirty="0" smtClean="0"/>
+              <a:t>zeros.</a:t>
+            </a:r>
+          </a:p>
+          <a:p>
+            <a:pPr marL="457200" indent="-457200">
+              <a:buFont typeface="Arial" panose="020B0604020202020204" pitchFamily="34" charset="0"/>
+              <a:buChar char="•"/>
+            </a:pPr>
+            <a:r>
+              <a:rPr lang="en-US" sz="2400" dirty="0"/>
+              <a:t>prefixes and </a:t>
+            </a:r>
+            <a:r>
+              <a:rPr lang="en-US" sz="2400" dirty="0" smtClean="0"/>
+              <a:t>suffixes.</a:t>
+            </a:r>
+          </a:p>
+          <a:p>
+            <a:pPr marL="457200" indent="-457200">
+              <a:buFont typeface="Arial" panose="020B0604020202020204" pitchFamily="34" charset="0"/>
+              <a:buChar char="•"/>
+            </a:pPr>
+            <a:r>
+              <a:rPr lang="en-US" sz="2400" dirty="0" smtClean="0"/>
+              <a:t>Grouping </a:t>
+            </a:r>
+            <a:r>
+              <a:rPr lang="en-US" sz="2400" dirty="0"/>
+              <a:t>(thousands) separators, and the decimal </a:t>
+            </a:r>
+            <a:r>
+              <a:rPr lang="en-US" sz="2400" dirty="0" smtClean="0"/>
+              <a:t>separator.</a:t>
+            </a:r>
+          </a:p>
+          <a:p>
+            <a:r>
+              <a:rPr lang="en-US" sz="3200" dirty="0" smtClean="0">
+                <a:solidFill>
+                  <a:schemeClr val="accent6">
+                    <a:lumMod val="75000"/>
+                  </a:schemeClr>
+                </a:solidFill>
+              </a:rPr>
+              <a:t>	</a:t>
+            </a:r>
+            <a:r>
+              <a:rPr lang="en-US" sz="2800" dirty="0" err="1" smtClean="0">
+                <a:solidFill>
+                  <a:schemeClr val="accent6">
+                    <a:lumMod val="75000"/>
+                  </a:schemeClr>
+                </a:solidFill>
+              </a:rPr>
+              <a:t>customFormat</a:t>
+            </a:r>
+            <a:r>
+              <a:rPr lang="en-US" sz="2800" dirty="0">
+                <a:solidFill>
+                  <a:schemeClr val="accent6">
+                    <a:lumMod val="75000"/>
+                  </a:schemeClr>
+                </a:solidFill>
+              </a:rPr>
+              <a:t>("###,###.###", 123456.789</a:t>
+            </a:r>
+            <a:r>
+              <a:rPr lang="en-US" sz="2800" dirty="0" smtClean="0">
+                <a:solidFill>
+                  <a:schemeClr val="accent6">
+                    <a:lumMod val="75000"/>
+                  </a:schemeClr>
+                </a:solidFill>
+              </a:rPr>
+              <a:t>);</a:t>
+            </a:r>
+          </a:p>
+          <a:p>
+            <a:endParaRPr lang="en-US" sz="2400" dirty="0" smtClean="0">
+              <a:solidFill>
+                <a:schemeClr val="accent6">
+                  <a:lumMod val="75000"/>
+                </a:schemeClr>
+              </a:solidFill>
+            </a:endParaRPr>
+          </a:p>
+          <a:p>
+            <a:r>
+              <a:rPr lang="en-US" sz="2400" dirty="0" smtClean="0">
+                <a:solidFill>
+                  <a:schemeClr val="accent6">
+                    <a:lumMod val="75000"/>
+                  </a:schemeClr>
+                </a:solidFill>
+              </a:rPr>
+              <a:t>static </a:t>
+            </a:r>
+            <a:r>
+              <a:rPr lang="en-US" sz="2400" dirty="0">
+                <a:solidFill>
+                  <a:schemeClr val="accent6">
+                    <a:lumMod val="75000"/>
+                  </a:schemeClr>
+                </a:solidFill>
+              </a:rPr>
+              <a:t>public void </a:t>
+            </a:r>
+            <a:r>
+              <a:rPr lang="en-US" sz="2400" dirty="0" err="1">
+                <a:solidFill>
+                  <a:schemeClr val="accent6">
+                    <a:lumMod val="75000"/>
+                  </a:schemeClr>
+                </a:solidFill>
+              </a:rPr>
+              <a:t>customFormat</a:t>
+            </a:r>
+            <a:r>
+              <a:rPr lang="en-US" sz="2400" dirty="0">
+                <a:solidFill>
+                  <a:schemeClr val="accent6">
+                    <a:lumMod val="75000"/>
+                  </a:schemeClr>
+                </a:solidFill>
+              </a:rPr>
+              <a:t>(String pattern, double value ) {</a:t>
+            </a:r>
+          </a:p>
+          <a:p>
+            <a:r>
+              <a:rPr lang="en-US" sz="2400" dirty="0" smtClean="0">
+                <a:solidFill>
+                  <a:schemeClr val="accent6">
+                    <a:lumMod val="75000"/>
+                  </a:schemeClr>
+                </a:solidFill>
+              </a:rPr>
+              <a:t>      </a:t>
+            </a:r>
+            <a:r>
+              <a:rPr lang="en-US" sz="2400" dirty="0" err="1">
+                <a:solidFill>
+                  <a:schemeClr val="accent6">
+                    <a:lumMod val="75000"/>
+                  </a:schemeClr>
+                </a:solidFill>
+              </a:rPr>
+              <a:t>DecimalFormat</a:t>
+            </a:r>
+            <a:r>
+              <a:rPr lang="en-US" sz="2400" dirty="0">
+                <a:solidFill>
+                  <a:schemeClr val="accent6">
+                    <a:lumMod val="75000"/>
+                  </a:schemeClr>
+                </a:solidFill>
+              </a:rPr>
+              <a:t> </a:t>
+            </a:r>
+            <a:r>
+              <a:rPr lang="en-US" sz="2400" dirty="0" err="1">
+                <a:solidFill>
+                  <a:schemeClr val="accent6">
+                    <a:lumMod val="75000"/>
+                  </a:schemeClr>
+                </a:solidFill>
+              </a:rPr>
+              <a:t>myFormatter</a:t>
+            </a:r>
+            <a:r>
+              <a:rPr lang="en-US" sz="2400" dirty="0">
+                <a:solidFill>
+                  <a:schemeClr val="accent6">
+                    <a:lumMod val="75000"/>
+                  </a:schemeClr>
+                </a:solidFill>
+              </a:rPr>
+              <a:t> = new </a:t>
+            </a:r>
+            <a:r>
+              <a:rPr lang="en-US" sz="2400" dirty="0" err="1">
+                <a:solidFill>
+                  <a:schemeClr val="accent6">
+                    <a:lumMod val="75000"/>
+                  </a:schemeClr>
+                </a:solidFill>
+              </a:rPr>
+              <a:t>DecimalFormat</a:t>
+            </a:r>
+            <a:r>
+              <a:rPr lang="en-US" sz="2400" dirty="0">
+                <a:solidFill>
+                  <a:schemeClr val="accent6">
+                    <a:lumMod val="75000"/>
+                  </a:schemeClr>
+                </a:solidFill>
+              </a:rPr>
+              <a:t>(pattern);</a:t>
+            </a:r>
+          </a:p>
+          <a:p>
+            <a:r>
+              <a:rPr lang="en-US" sz="2400" dirty="0" smtClean="0">
+                <a:solidFill>
+                  <a:schemeClr val="accent6">
+                    <a:lumMod val="75000"/>
+                  </a:schemeClr>
+                </a:solidFill>
+              </a:rPr>
+              <a:t>      </a:t>
+            </a:r>
+            <a:r>
+              <a:rPr lang="en-US" sz="2400" dirty="0">
+                <a:solidFill>
+                  <a:schemeClr val="accent6">
+                    <a:lumMod val="75000"/>
+                  </a:schemeClr>
+                </a:solidFill>
+              </a:rPr>
+              <a:t>String output = </a:t>
+            </a:r>
+            <a:r>
+              <a:rPr lang="en-US" sz="2400" dirty="0" err="1">
+                <a:solidFill>
+                  <a:schemeClr val="accent6">
+                    <a:lumMod val="75000"/>
+                  </a:schemeClr>
+                </a:solidFill>
+              </a:rPr>
+              <a:t>myFormatter.format</a:t>
+            </a:r>
+            <a:r>
+              <a:rPr lang="en-US" sz="2400" dirty="0">
+                <a:solidFill>
+                  <a:schemeClr val="accent6">
+                    <a:lumMod val="75000"/>
+                  </a:schemeClr>
+                </a:solidFill>
+              </a:rPr>
+              <a:t>(value);</a:t>
+            </a:r>
+          </a:p>
+          <a:p>
+            <a:r>
+              <a:rPr lang="en-US" sz="2400" dirty="0" smtClean="0">
+                <a:solidFill>
+                  <a:schemeClr val="accent6">
+                    <a:lumMod val="75000"/>
+                  </a:schemeClr>
+                </a:solidFill>
+              </a:rPr>
+              <a:t>      </a:t>
+            </a:r>
+            <a:r>
+              <a:rPr lang="en-US" sz="2400" dirty="0" err="1">
+                <a:solidFill>
+                  <a:schemeClr val="accent6">
+                    <a:lumMod val="75000"/>
+                  </a:schemeClr>
+                </a:solidFill>
+              </a:rPr>
+              <a:t>System.out.println</a:t>
+            </a:r>
+            <a:r>
+              <a:rPr lang="en-US" sz="2400" dirty="0">
+                <a:solidFill>
+                  <a:schemeClr val="accent6">
+                    <a:lumMod val="75000"/>
+                  </a:schemeClr>
+                </a:solidFill>
+              </a:rPr>
+              <a:t>(value + "  " + pattern + "  " + output);</a:t>
+            </a:r>
+          </a:p>
+          <a:p>
+            <a:r>
+              <a:rPr lang="en-US" sz="2400" dirty="0" smtClean="0">
+                <a:solidFill>
+                  <a:schemeClr val="accent6">
+                    <a:lumMod val="75000"/>
+                  </a:schemeClr>
+                </a:solidFill>
+              </a:rPr>
+              <a:t> }</a:t>
+            </a:r>
+          </a:p>
+          <a:p>
+            <a:r>
+              <a:rPr lang="en-US" sz="3200" b="1" dirty="0"/>
+              <a:t>Lab17.2: Demonstration of using Decimal formatter</a:t>
+            </a:r>
+            <a:endParaRPr lang="en-US" sz="3200" b="1" dirty="0" smtClean="0"/>
+          </a:p>
+        </p:txBody>
+      </p:sp>
       <p:pic>
         <p:nvPicPr>
           <p:cNvPr id="7" name="Picture 6"/>
@@ -8127,8 +8303,8 @@
         </p:blipFill>
         <p:spPr>
           <a:xfrm>
-            <a:off x="307975" y="160337"/>
-            <a:ext cx="8822578" cy="6623847"/>
+            <a:off x="8559004" y="53270"/>
+            <a:ext cx="3632996" cy="3925266"/>
           </a:xfrm>
           <a:prstGeom prst="rect">
             <a:avLst/>
@@ -8138,7 +8314,7 @@
     </p:spTree>
     <p:extLst>
       <p:ext uri="{BB962C8B-B14F-4D97-AF65-F5344CB8AC3E}">
-        <p14:creationId xmlns:p14="http://schemas.microsoft.com/office/powerpoint/2010/main" val="4125464886"/>
+        <p14:creationId xmlns:p14="http://schemas.microsoft.com/office/powerpoint/2010/main" val="2869996267"/>
       </p:ext>
     </p:extLst>
   </p:cSld>
@@ -8288,7 +8464,7 @@
       </p:sp>
       <p:pic>
         <p:nvPicPr>
-          <p:cNvPr id="3" name="Picture 2"/>
+          <p:cNvPr id="7" name="Picture 6"/>
           <p:cNvPicPr>
             <a:picLocks noChangeAspect="1"/>
           </p:cNvPicPr>
@@ -8302,8 +8478,8 @@
         </p:blipFill>
         <p:spPr>
           <a:xfrm>
-            <a:off x="155574" y="159741"/>
-            <a:ext cx="8813613" cy="6617117"/>
+            <a:off x="307975" y="160337"/>
+            <a:ext cx="8822578" cy="6623847"/>
           </a:xfrm>
           <a:prstGeom prst="rect">
             <a:avLst/>
@@ -8313,7 +8489,7 @@
     </p:spTree>
     <p:extLst>
       <p:ext uri="{BB962C8B-B14F-4D97-AF65-F5344CB8AC3E}">
-        <p14:creationId xmlns:p14="http://schemas.microsoft.com/office/powerpoint/2010/main" val="1763179019"/>
+        <p14:creationId xmlns:p14="http://schemas.microsoft.com/office/powerpoint/2010/main" val="4125464886"/>
       </p:ext>
     </p:extLst>
   </p:cSld>
@@ -8463,7 +8639,7 @@
       </p:sp>
       <p:pic>
         <p:nvPicPr>
-          <p:cNvPr id="6" name="Picture 5"/>
+          <p:cNvPr id="3" name="Picture 2"/>
           <p:cNvPicPr>
             <a:picLocks noChangeAspect="1"/>
           </p:cNvPicPr>
@@ -8477,8 +8653,8 @@
         </p:blipFill>
         <p:spPr>
           <a:xfrm>
-            <a:off x="155574" y="160338"/>
-            <a:ext cx="8759825" cy="6576734"/>
+            <a:off x="155574" y="159741"/>
+            <a:ext cx="8813613" cy="6617117"/>
           </a:xfrm>
           <a:prstGeom prst="rect">
             <a:avLst/>
@@ -8488,7 +8664,7 @@
     </p:spTree>
     <p:extLst>
       <p:ext uri="{BB962C8B-B14F-4D97-AF65-F5344CB8AC3E}">
-        <p14:creationId xmlns:p14="http://schemas.microsoft.com/office/powerpoint/2010/main" val="1389277813"/>
+        <p14:creationId xmlns:p14="http://schemas.microsoft.com/office/powerpoint/2010/main" val="1763179019"/>
       </p:ext>
     </p:extLst>
   </p:cSld>
